--- a/docs/modulos/02-modelo-de-camera/slides.pptx
+++ b/docs/modulos/02-modelo-de-camera/slides.pptx
@@ -224,7 +224,7 @@
           <a:p>
             <a:fld id="{DEC1326A-6B39-45E7-A0ED-86877A2CBE97}" type="datetimeFigureOut">
               <a:rPr lang="pt-BR" smtClean="0"/>
-              <a:t>25/08/2023</a:t>
+              <a:t>26/08/2023</a:t>
             </a:fld>
             <a:endParaRPr lang="pt-BR"/>
           </a:p>
@@ -1271,7 +1271,7 @@
             </a:pPr>
             <a:fld id="{F2B7900D-0734-4F15-9F08-6F03FB6F6514}" type="datetimeFigureOut">
               <a:rPr lang="pt-BR"/>
-              <a:t>25/08/2023</a:t>
+              <a:t>26/08/2023</a:t>
             </a:fld>
             <a:endParaRPr lang="pt-BR"/>
           </a:p>
@@ -2888,7 +2888,7 @@
             </a:pPr>
             <a:fld id="{9D3A6509-23EB-4B44-A528-7D90D9904DC9}" type="datetime1">
               <a:rPr lang="en-US"/>
-              <a:t>25-Aug-23</a:t>
+              <a:t>26-Aug-23</a:t>
             </a:fld>
             <a:endParaRPr lang="en-US"/>
           </a:p>
@@ -3455,7 +3455,7 @@
             </a:pPr>
             <a:fld id="{9D3A6509-23EB-4B44-A528-7D90D9904DC9}" type="datetime1">
               <a:rPr lang="en-US"/>
-              <a:t>25-Aug-23</a:t>
+              <a:t>26-Aug-23</a:t>
             </a:fld>
             <a:endParaRPr lang="en-US"/>
           </a:p>
@@ -3984,7 +3984,7 @@
             </a:pPr>
             <a:fld id="{9D3A6509-23EB-4B44-A528-7D90D9904DC9}" type="datetime1">
               <a:rPr lang="en-US"/>
-              <a:t>25-Aug-23</a:t>
+              <a:t>26-Aug-23</a:t>
             </a:fld>
             <a:endParaRPr lang="en-US"/>
           </a:p>
@@ -4604,7 +4604,7 @@
             </a:pPr>
             <a:fld id="{9D3A6509-23EB-4B44-A528-7D90D9904DC9}" type="datetime1">
               <a:rPr lang="en-US"/>
-              <a:t>25-Aug-23</a:t>
+              <a:t>26-Aug-23</a:t>
             </a:fld>
             <a:endParaRPr lang="en-US"/>
           </a:p>
@@ -5174,7 +5174,7 @@
             </a:pPr>
             <a:fld id="{9D3A6509-23EB-4B44-A528-7D90D9904DC9}" type="datetime1">
               <a:rPr lang="en-US"/>
-              <a:t>25-Aug-23</a:t>
+              <a:t>26-Aug-23</a:t>
             </a:fld>
             <a:endParaRPr lang="en-US"/>
           </a:p>
@@ -5515,7 +5515,7 @@
             </a:pPr>
             <a:fld id="{9D3A6509-23EB-4B44-A528-7D90D9904DC9}" type="datetime1">
               <a:rPr lang="en-US"/>
-              <a:t>25-Aug-23</a:t>
+              <a:t>26-Aug-23</a:t>
             </a:fld>
             <a:endParaRPr lang="en-US"/>
           </a:p>
@@ -5723,7 +5723,7 @@
             </a:pPr>
             <a:fld id="{5B4B5584-C7FA-470F-8EC2-A30435A4DF16}" type="datetime1">
               <a:rPr lang="en-US"/>
-              <a:t>25-Aug-23</a:t>
+              <a:t>26-Aug-23</a:t>
             </a:fld>
             <a:endParaRPr lang="en-US"/>
           </a:p>
@@ -5827,7 +5827,7 @@
             </a:pPr>
             <a:fld id="{F2B7900D-0734-4F15-9F08-6F03FB6F6514}" type="datetimeFigureOut">
               <a:rPr lang="pt-BR"/>
-              <a:t>25/08/2023</a:t>
+              <a:t>26/08/2023</a:t>
             </a:fld>
             <a:endParaRPr lang="pt-BR"/>
           </a:p>
@@ -6351,7 +6351,7 @@
             </a:pPr>
             <a:fld id="{F2B7900D-0734-4F15-9F08-6F03FB6F6514}" type="datetimeFigureOut">
               <a:rPr lang="pt-BR"/>
-              <a:t>25/08/2023</a:t>
+              <a:t>26/08/2023</a:t>
             </a:fld>
             <a:endParaRPr lang="pt-BR"/>
           </a:p>
@@ -6729,7 +6729,7 @@
             </a:pPr>
             <a:fld id="{F2B7900D-0734-4F15-9F08-6F03FB6F6514}" type="datetimeFigureOut">
               <a:rPr lang="pt-BR"/>
-              <a:t>25/08/2023</a:t>
+              <a:t>26/08/2023</a:t>
             </a:fld>
             <a:endParaRPr lang="pt-BR"/>
           </a:p>
@@ -7294,7 +7294,7 @@
             </a:pPr>
             <a:fld id="{F2B7900D-0734-4F15-9F08-6F03FB6F6514}" type="datetimeFigureOut">
               <a:rPr lang="pt-BR"/>
-              <a:t>25/08/2023</a:t>
+              <a:t>26/08/2023</a:t>
             </a:fld>
             <a:endParaRPr lang="pt-BR"/>
           </a:p>
@@ -7630,7 +7630,7 @@
             </a:pPr>
             <a:fld id="{3135726F-7445-4038-9FAC-4112A5F2E72B}" type="datetimeFigureOut">
               <a:rPr lang="en-US"/>
-              <a:t>25-Aug-23</a:t>
+              <a:t>26-Aug-23</a:t>
             </a:fld>
             <a:endParaRPr lang="en-US"/>
           </a:p>
@@ -8172,7 +8172,7 @@
             </a:pPr>
             <a:fld id="{F2B7900D-0734-4F15-9F08-6F03FB6F6514}" type="datetimeFigureOut">
               <a:rPr lang="pt-BR"/>
-              <a:t>25/08/2023</a:t>
+              <a:t>26/08/2023</a:t>
             </a:fld>
             <a:endParaRPr lang="pt-BR"/>
           </a:p>
@@ -8666,7 +8666,7 @@
             </a:pPr>
             <a:fld id="{9D3A6509-23EB-4B44-A528-7D90D9904DC9}" type="datetime1">
               <a:rPr lang="en-US"/>
-              <a:t>25-Aug-23</a:t>
+              <a:t>26-Aug-23</a:t>
             </a:fld>
             <a:endParaRPr lang="en-US"/>
           </a:p>
@@ -9198,15 +9198,6 @@
           <a:solidFill>
             <a:srgbClr val="FFFFFF"/>
           </a:solidFill>
-          <a:extLst>
-            <a:ext uri="{909E8E84-426E-40DD-AFC4-6F175D3DCCD1}">
-              <a14:hiddenFill xmlns:a14="http://schemas.microsoft.com/office/drawing/2010/main">
-                <a:solidFill>
-                  <a:srgbClr val="FFFFFF"/>
-                </a:solidFill>
-              </a14:hiddenFill>
-            </a:ext>
-          </a:extLst>
         </p:spPr>
       </p:pic>
       <p:sp>
@@ -10932,10 +10923,10 @@
       </p:sp>
       <p:sp>
         <p:nvSpPr>
-          <p:cNvPr id="1820912574" name="Text Placeholder 2">
+          <p:cNvPr id="1820912579" name="Text Placeholder 2">
             <a:extLst>
               <a:ext uri="{FF2B5EF4-FFF2-40B4-BE49-F238E27FC236}">
-                <a16:creationId xmlns:a16="http://schemas.microsoft.com/office/drawing/2014/main" id="{43E8EFAE-ED32-6815-4E70-508DD8CF56DB}"/>
+                <a16:creationId xmlns:a16="http://schemas.microsoft.com/office/drawing/2014/main" id="{2AE886B7-055B-C1E9-F81D-5C4D54CAC1F5}"/>
               </a:ext>
             </a:extLst>
           </p:cNvPr>
@@ -10996,14 +10987,14 @@
               <a:defRPr/>
             </a:pPr>
             <a:r>
-              <a:rPr lang="pt-BR" sz="1350">
+              <a:rPr lang="pt-BR" sz="1350" dirty="0">
                 <a:latin typeface="Verdana"/>
                 <a:ea typeface="Verdana"/>
                 <a:hlinkClick r:id="rId2"/>
               </a:rPr>
-              <a:t>Atividade 01 - Leitura de imagens</a:t>
-            </a:r>
-            <a:endParaRPr lang="pt-BR" sz="1350">
+              <a:t>Atividade 01 - Segmentação usando HSV</a:t>
+            </a:r>
+            <a:endParaRPr lang="pt-BR" sz="1350" dirty="0">
               <a:latin typeface="Verdana"/>
               <a:ea typeface="Verdana"/>
             </a:endParaRPr>
@@ -11018,14 +11009,14 @@
               <a:defRPr/>
             </a:pPr>
             <a:r>
-              <a:rPr lang="pt-BR" sz="1350">
+              <a:rPr lang="pt-BR" sz="1350" dirty="0">
                 <a:latin typeface="Verdana"/>
                 <a:ea typeface="Verdana"/>
                 <a:hlinkClick r:id="rId3"/>
               </a:rPr>
-              <a:t>Atividade 02 - Percorrendo a imagem</a:t>
-            </a:r>
-            <a:endParaRPr lang="pt-BR" sz="1350">
+              <a:t>Atividade 02 - Morfologia Matemática</a:t>
+            </a:r>
+            <a:endParaRPr lang="pt-BR" sz="1350" dirty="0">
               <a:latin typeface="Verdana"/>
               <a:ea typeface="Verdana"/>
             </a:endParaRPr>
@@ -11040,14 +11031,14 @@
               <a:defRPr/>
             </a:pPr>
             <a:r>
-              <a:rPr lang="pt-BR" sz="1350">
+              <a:rPr lang="pt-BR" sz="1350" dirty="0">
                 <a:latin typeface="Verdana"/>
                 <a:ea typeface="Verdana"/>
                 <a:hlinkClick r:id="rId4"/>
               </a:rPr>
-              <a:t>Atividade 03 - Cookbook de Numpy</a:t>
-            </a:r>
-            <a:endParaRPr lang="pt-BR" sz="1350">
+              <a:t>Atividade 03 - Componentes Conexos</a:t>
+            </a:r>
+            <a:endParaRPr lang="pt-BR" sz="1350" dirty="0">
               <a:latin typeface="Verdana"/>
               <a:ea typeface="Verdana"/>
             </a:endParaRPr>
@@ -11062,14 +11053,14 @@
               <a:defRPr/>
             </a:pPr>
             <a:r>
-              <a:rPr lang="pt-BR" sz="1350">
+              <a:rPr lang="pt-BR" sz="1350" dirty="0">
                 <a:latin typeface="Verdana"/>
                 <a:ea typeface="Verdana"/>
                 <a:hlinkClick r:id="rId5"/>
               </a:rPr>
-              <a:t>Atividade 04 - Segmentação de imagens por cor</a:t>
-            </a:r>
-            <a:endParaRPr lang="pt-BR" sz="1350">
+              <a:t>Atividade 04 - Exemplo de Resolução de Problemas</a:t>
+            </a:r>
+            <a:endParaRPr lang="pt-BR" sz="1350" dirty="0">
               <a:latin typeface="Verdana"/>
               <a:ea typeface="Verdana"/>
             </a:endParaRPr>
@@ -11084,14 +11075,14 @@
               <a:defRPr/>
             </a:pPr>
             <a:r>
-              <a:rPr lang="pt-BR" sz="1350">
+              <a:rPr lang="pt-BR" sz="1350" dirty="0">
                 <a:latin typeface="Verdana"/>
                 <a:ea typeface="Verdana"/>
                 <a:hlinkClick r:id="rId6"/>
               </a:rPr>
-              <a:t>Atividade 05 - Classes em Python</a:t>
-            </a:r>
-            <a:endParaRPr lang="pt-BR" sz="1350">
+              <a:t>Atividade 05 - Regressão Linear</a:t>
+            </a:r>
+            <a:endParaRPr lang="pt-BR" sz="1350" dirty="0">
               <a:latin typeface="Verdana"/>
               <a:ea typeface="Verdana"/>
             </a:endParaRPr>
@@ -11103,7 +11094,7 @@
               </a:spcAft>
               <a:defRPr/>
             </a:pPr>
-            <a:endParaRPr lang="pt-BR" sz="1350">
+            <a:endParaRPr lang="pt-BR" sz="1350" dirty="0">
               <a:latin typeface="Verdana"/>
               <a:ea typeface="Verdana"/>
             </a:endParaRPr>
@@ -11112,10 +11103,10 @@
       </p:sp>
       <p:pic>
         <p:nvPicPr>
-          <p:cNvPr id="7" name="Imagem 6" descr="Código QR&#10;&#10;Descrição gerada automaticamente">
+          <p:cNvPr id="3" name="Imagem 2" descr="Código QR&#10;&#10;Descrição gerada automaticamente">
             <a:extLst>
               <a:ext uri="{FF2B5EF4-FFF2-40B4-BE49-F238E27FC236}">
-                <a16:creationId xmlns:a16="http://schemas.microsoft.com/office/drawing/2014/main" id="{9E4193B8-A5A4-C0AD-7EE8-06FA15FF8420}"/>
+                <a16:creationId xmlns:a16="http://schemas.microsoft.com/office/drawing/2014/main" id="{34AD4E16-AAE7-BEC7-FCDD-D3CE2E4F75B0}"/>
               </a:ext>
             </a:extLst>
           </p:cNvPr>
@@ -11125,7 +11116,13 @@
           <p:nvPr/>
         </p:nvPicPr>
         <p:blipFill>
-          <a:blip r:embed="rId7"/>
+          <a:blip r:embed="rId7">
+            <a:extLst>
+              <a:ext uri="{28A0092B-C50C-407E-A947-70E740481C1C}">
+                <a14:useLocalDpi xmlns:a14="http://schemas.microsoft.com/office/drawing/2010/main" val="0"/>
+              </a:ext>
+            </a:extLst>
+          </a:blip>
           <a:stretch>
             <a:fillRect/>
           </a:stretch>
@@ -11880,15 +11877,6 @@
           <a:solidFill>
             <a:srgbClr val="FFFFFF"/>
           </a:solidFill>
-          <a:extLst>
-            <a:ext uri="{909E8E84-426E-40DD-AFC4-6F175D3DCCD1}">
-              <a14:hiddenFill xmlns:a14="http://schemas.microsoft.com/office/drawing/2010/main">
-                <a:solidFill>
-                  <a:srgbClr val="FFFFFF"/>
-                </a:solidFill>
-              </a14:hiddenFill>
-            </a:ext>
-          </a:extLst>
         </p:spPr>
       </p:pic>
       <p:sp>
@@ -12199,15 +12187,6 @@
           <a:solidFill>
             <a:srgbClr val="FFFFFF"/>
           </a:solidFill>
-          <a:extLst>
-            <a:ext uri="{909E8E84-426E-40DD-AFC4-6F175D3DCCD1}">
-              <a14:hiddenFill xmlns:a14="http://schemas.microsoft.com/office/drawing/2010/main">
-                <a:solidFill>
-                  <a:srgbClr val="FFFFFF"/>
-                </a:solidFill>
-              </a14:hiddenFill>
-            </a:ext>
-          </a:extLst>
         </p:spPr>
       </p:pic>
       <p:sp>
@@ -12638,8 +12617,8 @@
           <a:chExt cx="0" cy="0"/>
         </a:xfrm>
       </p:grpSpPr>
-      <mc:AlternateContent xmlns:mc="http://schemas.openxmlformats.org/markup-compatibility/2006">
-        <mc:Choice xmlns:a14="http://schemas.microsoft.com/office/drawing/2010/main" Requires="a14">
+      <mc:AlternateContent xmlns:mc="http://schemas.openxmlformats.org/markup-compatibility/2006" xmlns:a14="http://schemas.microsoft.com/office/drawing/2010/main">
+        <mc:Choice Requires="a14">
           <p:sp>
             <p:nvSpPr>
               <p:cNvPr id="856773958" name="Retângulo 856773957"/>
@@ -12733,7 +12712,7 @@
             </p:txBody>
           </p:sp>
         </mc:Choice>
-        <mc:Fallback>
+        <mc:Fallback xmlns="">
           <p:sp>
             <p:nvSpPr>
               <p:cNvPr id="856773958" name="Retângulo 856773957"/>
@@ -13478,8 +13457,8 @@
           </a:p>
         </p:txBody>
       </p:sp>
-      <mc:AlternateContent xmlns:mc="http://schemas.openxmlformats.org/markup-compatibility/2006">
-        <mc:Choice xmlns:a14="http://schemas.microsoft.com/office/drawing/2010/main" Requires="a14">
+      <mc:AlternateContent xmlns:mc="http://schemas.openxmlformats.org/markup-compatibility/2006" xmlns:a14="http://schemas.microsoft.com/office/drawing/2010/main">
+        <mc:Choice Requires="a14">
           <p:sp>
             <p:nvSpPr>
               <p:cNvPr id="688320724" name="Retângulo 688320723"/>
@@ -13532,7 +13511,7 @@
             </p:txBody>
           </p:sp>
         </mc:Choice>
-        <mc:Fallback>
+        <mc:Fallback xmlns="">
           <p:sp>
             <p:nvSpPr>
               <p:cNvPr id="688320724" name="Retângulo 688320723"/>

--- a/docs/modulos/02-modelo-de-camera/slides.pptx
+++ b/docs/modulos/02-modelo-de-camera/slides.pptx
@@ -18,8 +18,8 @@
     <p:sldId id="257" r:id="rId9"/>
     <p:sldId id="260" r:id="rId10"/>
     <p:sldId id="288" r:id="rId11"/>
-    <p:sldId id="287" r:id="rId12"/>
-    <p:sldId id="261" r:id="rId13"/>
+    <p:sldId id="261" r:id="rId12"/>
+    <p:sldId id="287" r:id="rId13"/>
     <p:sldId id="289" r:id="rId14"/>
     <p:sldId id="290" r:id="rId15"/>
     <p:sldId id="267" r:id="rId16"/>
@@ -986,7 +986,31 @@
           <a:bodyPr/>
           <a:lstStyle/>
           <a:p>
-            <a:endParaRPr lang="pt-BR" dirty="0"/>
+            <a:pPr marL="0" marR="0" lvl="0" indent="0" algn="l" defTabSz="914400" rtl="0" eaLnBrk="1" fontAlgn="auto" latinLnBrk="0" hangingPunct="1">
+              <a:lnSpc>
+                <a:spcPct val="100000"/>
+              </a:lnSpc>
+              <a:spcBef>
+                <a:spcPts val="0"/>
+              </a:spcBef>
+              <a:spcAft>
+                <a:spcPts val="0"/>
+              </a:spcAft>
+              <a:buClrTx/>
+              <a:buSzTx/>
+              <a:buFontTx/>
+              <a:buNone/>
+              <a:tabLst/>
+              <a:defRPr/>
+            </a:pPr>
+            <a:r>
+              <a:rPr lang="pt-BR" b="1" dirty="0"/>
+              <a:t>Parâmetros intrínsecos: </a:t>
+            </a:r>
+            <a:r>
+              <a:rPr lang="pt-BR" dirty="0"/>
+              <a:t>Em câmeras reais, vai além de apenas a distância focal.</a:t>
+            </a:r>
           </a:p>
         </p:txBody>
       </p:sp>
@@ -1016,7 +1040,7 @@
     </p:spTree>
     <p:extLst>
       <p:ext uri="{BB962C8B-B14F-4D97-AF65-F5344CB8AC3E}">
-        <p14:creationId xmlns:p14="http://schemas.microsoft.com/office/powerpoint/2010/main" val="664610751"/>
+        <p14:creationId xmlns:p14="http://schemas.microsoft.com/office/powerpoint/2010/main" val="2347879848"/>
       </p:ext>
     </p:extLst>
   </p:cSld>
@@ -1070,31 +1094,7 @@
           <a:bodyPr/>
           <a:lstStyle/>
           <a:p>
-            <a:pPr marL="0" marR="0" lvl="0" indent="0" algn="l" defTabSz="914400" rtl="0" eaLnBrk="1" fontAlgn="auto" latinLnBrk="0" hangingPunct="1">
-              <a:lnSpc>
-                <a:spcPct val="100000"/>
-              </a:lnSpc>
-              <a:spcBef>
-                <a:spcPts val="0"/>
-              </a:spcBef>
-              <a:spcAft>
-                <a:spcPts val="0"/>
-              </a:spcAft>
-              <a:buClrTx/>
-              <a:buSzTx/>
-              <a:buFontTx/>
-              <a:buNone/>
-              <a:tabLst/>
-              <a:defRPr/>
-            </a:pPr>
-            <a:r>
-              <a:rPr lang="pt-BR" b="1" dirty="0"/>
-              <a:t>Parâmetros intrínsecos: </a:t>
-            </a:r>
-            <a:r>
-              <a:rPr lang="pt-BR" dirty="0"/>
-              <a:t>Em câmeras reais, vai além de apenas a distância focal.</a:t>
-            </a:r>
+            <a:endParaRPr lang="pt-BR" dirty="0"/>
           </a:p>
         </p:txBody>
       </p:sp>
@@ -1124,7 +1124,7 @@
     </p:spTree>
     <p:extLst>
       <p:ext uri="{BB962C8B-B14F-4D97-AF65-F5344CB8AC3E}">
-        <p14:creationId xmlns:p14="http://schemas.microsoft.com/office/powerpoint/2010/main" val="2347879848"/>
+        <p14:creationId xmlns:p14="http://schemas.microsoft.com/office/powerpoint/2010/main" val="664610751"/>
       </p:ext>
     </p:extLst>
   </p:cSld>
@@ -9115,6 +9115,854 @@
 <file path=ppt/slides/slide10.xml><?xml version="1.0" encoding="utf-8"?>
 <p:sld xmlns:a="http://schemas.openxmlformats.org/drawingml/2006/main" xmlns:r="http://schemas.openxmlformats.org/officeDocument/2006/relationships" xmlns:p="http://schemas.openxmlformats.org/presentationml/2006/main" showMasterPhAnim="0">
   <p:cSld>
+    <p:bg>
+      <p:bgRef idx="1001">
+        <a:schemeClr val="bg1"/>
+      </p:bgRef>
+    </p:bg>
+    <p:spTree>
+      <p:nvGrpSpPr>
+        <p:cNvPr id="1" name=""/>
+        <p:cNvGrpSpPr/>
+        <p:nvPr/>
+      </p:nvGrpSpPr>
+      <p:grpSpPr bwMode="auto">
+        <a:xfrm>
+          <a:off x="0" y="0"/>
+          <a:ext cx="0" cy="0"/>
+          <a:chOff x="0" y="0"/>
+          <a:chExt cx="0" cy="0"/>
+        </a:xfrm>
+      </p:grpSpPr>
+      <p:sp>
+        <p:nvSpPr>
+          <p:cNvPr id="2" name="Título 1"/>
+          <p:cNvSpPr>
+            <a:spLocks noGrp="1"/>
+          </p:cNvSpPr>
+          <p:nvPr>
+            <p:ph type="title"/>
+          </p:nvPr>
+        </p:nvSpPr>
+        <p:spPr bwMode="auto"/>
+        <p:txBody>
+          <a:bodyPr/>
+          <a:lstStyle/>
+          <a:p>
+            <a:pPr>
+              <a:defRPr/>
+            </a:pPr>
+            <a:r>
+              <a:rPr lang="pt-BR" b="1" dirty="0"/>
+              <a:t>Calibração da Câmera</a:t>
+            </a:r>
+          </a:p>
+        </p:txBody>
+      </p:sp>
+      <p:sp>
+        <p:nvSpPr>
+          <p:cNvPr id="3" name="Espaço Reservado para Texto 2"/>
+          <p:cNvSpPr>
+            <a:spLocks noGrp="1"/>
+          </p:cNvSpPr>
+          <p:nvPr>
+            <p:ph type="body" sz="quarter" idx="13"/>
+          </p:nvPr>
+        </p:nvSpPr>
+        <p:spPr bwMode="auto"/>
+        <p:txBody>
+          <a:bodyPr/>
+          <a:lstStyle/>
+          <a:p>
+            <a:pPr>
+              <a:defRPr/>
+            </a:pPr>
+            <a:endParaRPr lang="pt-BR"/>
+          </a:p>
+        </p:txBody>
+      </p:sp>
+      <p:sp>
+        <p:nvSpPr>
+          <p:cNvPr id="19" name="Rectangle 3">
+            <a:extLst>
+              <a:ext uri="{FF2B5EF4-FFF2-40B4-BE49-F238E27FC236}">
+                <a16:creationId xmlns:a16="http://schemas.microsoft.com/office/drawing/2014/main" id="{C9D413DF-895C-7DD3-140B-F13F54C6B45D}"/>
+              </a:ext>
+            </a:extLst>
+          </p:cNvPr>
+          <p:cNvSpPr>
+            <a:spLocks noGrp="1" noChangeArrowheads="1"/>
+          </p:cNvSpPr>
+          <p:nvPr>
+            <p:ph idx="1"/>
+          </p:nvPr>
+        </p:nvSpPr>
+        <p:spPr bwMode="auto">
+          <a:xfrm>
+            <a:off x="657225" y="1485900"/>
+            <a:ext cx="8029647" cy="5047536"/>
+          </a:xfrm>
+        </p:spPr>
+        <p:txBody>
+          <a:bodyPr>
+            <a:spAutoFit/>
+          </a:bodyPr>
+          <a:lstStyle/>
+          <a:p>
+            <a:pPr marL="0" marR="0" lvl="0" indent="0" algn="l" defTabSz="914400" eaLnBrk="1" fontAlgn="auto" latinLnBrk="0" hangingPunct="1">
+              <a:lnSpc>
+                <a:spcPct val="100000"/>
+              </a:lnSpc>
+              <a:spcBef>
+                <a:spcPts val="0"/>
+              </a:spcBef>
+              <a:spcAft>
+                <a:spcPts val="0"/>
+              </a:spcAft>
+              <a:buClrTx/>
+              <a:buSzTx/>
+              <a:buFontTx/>
+              <a:buNone/>
+              <a:tabLst/>
+              <a:defRPr/>
+            </a:pPr>
+            <a:r>
+              <a:rPr kumimoji="0" lang="pt-BR" sz="1400" b="1" i="0" u="none" strike="noStrike" kern="0" cap="none" spc="0" normalizeH="0" baseline="0" noProof="0" dirty="0">
+                <a:ln>
+                  <a:noFill/>
+                </a:ln>
+                <a:solidFill>
+                  <a:prstClr val="black"/>
+                </a:solidFill>
+                <a:effectLst/>
+                <a:uLnTx/>
+                <a:uFillTx/>
+                <a:latin typeface="Verdana"/>
+                <a:ea typeface="Verdana"/>
+                <a:cs typeface="Arial"/>
+              </a:rPr>
+              <a:t>Parâmetros Intrínsecos da Câmera</a:t>
+            </a:r>
+          </a:p>
+          <a:p>
+            <a:pPr marL="0" marR="0" lvl="0" indent="0" algn="l" defTabSz="914400" eaLnBrk="1" fontAlgn="auto" latinLnBrk="0" hangingPunct="1">
+              <a:lnSpc>
+                <a:spcPct val="100000"/>
+              </a:lnSpc>
+              <a:spcBef>
+                <a:spcPts val="0"/>
+              </a:spcBef>
+              <a:spcAft>
+                <a:spcPts val="0"/>
+              </a:spcAft>
+              <a:buClrTx/>
+              <a:buSzTx/>
+              <a:buFontTx/>
+              <a:buNone/>
+              <a:tabLst/>
+              <a:defRPr/>
+            </a:pPr>
+            <a:endParaRPr kumimoji="0" lang="pt-BR" sz="1400" b="0" i="0" u="none" strike="noStrike" kern="0" cap="none" spc="0" normalizeH="0" baseline="0" noProof="0" dirty="0">
+              <a:ln>
+                <a:noFill/>
+              </a:ln>
+              <a:solidFill>
+                <a:prstClr val="black"/>
+              </a:solidFill>
+              <a:effectLst/>
+              <a:uLnTx/>
+              <a:uFillTx/>
+              <a:latin typeface="Verdana"/>
+              <a:ea typeface="Verdana"/>
+              <a:cs typeface="Arial"/>
+            </a:endParaRPr>
+          </a:p>
+          <a:p>
+            <a:pPr marL="342900" marR="0" lvl="0" indent="-342900" algn="l" defTabSz="914400" eaLnBrk="1" fontAlgn="auto" latinLnBrk="0" hangingPunct="1">
+              <a:lnSpc>
+                <a:spcPct val="100000"/>
+              </a:lnSpc>
+              <a:spcBef>
+                <a:spcPts val="0"/>
+              </a:spcBef>
+              <a:spcAft>
+                <a:spcPts val="0"/>
+              </a:spcAft>
+              <a:buClrTx/>
+              <a:buSzTx/>
+              <a:buFont typeface="Arial" panose="020B0604020202020204" pitchFamily="34" charset="0"/>
+              <a:buChar char="•"/>
+              <a:tabLst/>
+              <a:defRPr/>
+            </a:pPr>
+            <a:r>
+              <a:rPr kumimoji="0" lang="pt-BR" sz="1400" b="1" i="0" u="none" strike="noStrike" kern="0" cap="none" spc="0" normalizeH="0" baseline="0" noProof="0" dirty="0">
+                <a:ln>
+                  <a:noFill/>
+                </a:ln>
+                <a:solidFill>
+                  <a:prstClr val="black"/>
+                </a:solidFill>
+                <a:effectLst/>
+                <a:uLnTx/>
+                <a:uFillTx/>
+                <a:latin typeface="Verdana"/>
+                <a:ea typeface="Verdana"/>
+                <a:cs typeface="Arial"/>
+              </a:rPr>
+              <a:t>Distância Focal (f)</a:t>
+            </a:r>
+          </a:p>
+          <a:p>
+            <a:pPr marL="0" marR="0" lvl="0" indent="0" algn="l" defTabSz="914400" eaLnBrk="1" fontAlgn="auto" latinLnBrk="0" hangingPunct="1">
+              <a:lnSpc>
+                <a:spcPct val="100000"/>
+              </a:lnSpc>
+              <a:spcBef>
+                <a:spcPts val="0"/>
+              </a:spcBef>
+              <a:spcAft>
+                <a:spcPts val="0"/>
+              </a:spcAft>
+              <a:buClrTx/>
+              <a:buSzTx/>
+              <a:buFontTx/>
+              <a:buNone/>
+              <a:tabLst/>
+              <a:defRPr/>
+            </a:pPr>
+            <a:endParaRPr kumimoji="0" lang="pt-BR" sz="1400" b="0" i="0" u="none" strike="noStrike" kern="0" cap="none" spc="0" normalizeH="0" baseline="0" noProof="0" dirty="0">
+              <a:ln>
+                <a:noFill/>
+              </a:ln>
+              <a:solidFill>
+                <a:prstClr val="black"/>
+              </a:solidFill>
+              <a:effectLst/>
+              <a:uLnTx/>
+              <a:uFillTx/>
+              <a:latin typeface="Verdana"/>
+              <a:ea typeface="Verdana"/>
+              <a:cs typeface="Arial"/>
+            </a:endParaRPr>
+          </a:p>
+          <a:p>
+            <a:pPr marL="1085850" marR="0" lvl="1" indent="-342900" algn="l" defTabSz="914400" eaLnBrk="1" fontAlgn="auto" latinLnBrk="0" hangingPunct="1">
+              <a:lnSpc>
+                <a:spcPct val="100000"/>
+              </a:lnSpc>
+              <a:spcBef>
+                <a:spcPts val="0"/>
+              </a:spcBef>
+              <a:spcAft>
+                <a:spcPts val="0"/>
+              </a:spcAft>
+              <a:buClrTx/>
+              <a:buSzTx/>
+              <a:buFont typeface="Arial" panose="020B0604020202020204" pitchFamily="34" charset="0"/>
+              <a:buChar char="•"/>
+              <a:tabLst/>
+              <a:defRPr/>
+            </a:pPr>
+            <a:r>
+              <a:rPr kumimoji="0" lang="pt-BR" sz="1400" b="0" i="0" u="none" strike="noStrike" kern="0" cap="none" spc="0" normalizeH="0" baseline="0" noProof="0" dirty="0">
+                <a:ln>
+                  <a:noFill/>
+                </a:ln>
+                <a:solidFill>
+                  <a:prstClr val="black"/>
+                </a:solidFill>
+                <a:effectLst/>
+                <a:uLnTx/>
+                <a:uFillTx/>
+                <a:latin typeface="Verdana"/>
+                <a:ea typeface="Verdana"/>
+                <a:cs typeface="Arial"/>
+              </a:rPr>
+              <a:t>Definição: Distância entre o centro óptico e a superfície de formação da imagem.</a:t>
+            </a:r>
+          </a:p>
+          <a:p>
+            <a:pPr marL="1085850" marR="0" lvl="1" indent="-342900" algn="l" defTabSz="914400" eaLnBrk="1" fontAlgn="auto" latinLnBrk="0" hangingPunct="1">
+              <a:lnSpc>
+                <a:spcPct val="100000"/>
+              </a:lnSpc>
+              <a:spcBef>
+                <a:spcPts val="0"/>
+              </a:spcBef>
+              <a:spcAft>
+                <a:spcPts val="0"/>
+              </a:spcAft>
+              <a:buClrTx/>
+              <a:buSzTx/>
+              <a:buFont typeface="Arial" panose="020B0604020202020204" pitchFamily="34" charset="0"/>
+              <a:buChar char="•"/>
+              <a:tabLst/>
+              <a:defRPr/>
+            </a:pPr>
+            <a:endParaRPr kumimoji="0" lang="pt-BR" sz="1400" b="0" i="0" u="none" strike="noStrike" kern="0" cap="none" spc="0" normalizeH="0" baseline="0" noProof="0" dirty="0">
+              <a:ln>
+                <a:noFill/>
+              </a:ln>
+              <a:solidFill>
+                <a:prstClr val="black"/>
+              </a:solidFill>
+              <a:effectLst/>
+              <a:uLnTx/>
+              <a:uFillTx/>
+              <a:latin typeface="Verdana"/>
+              <a:ea typeface="Verdana"/>
+              <a:cs typeface="Arial"/>
+            </a:endParaRPr>
+          </a:p>
+          <a:p>
+            <a:pPr marL="1085850" marR="0" lvl="1" indent="-342900" algn="l" defTabSz="914400" eaLnBrk="1" fontAlgn="auto" latinLnBrk="0" hangingPunct="1">
+              <a:lnSpc>
+                <a:spcPct val="100000"/>
+              </a:lnSpc>
+              <a:spcBef>
+                <a:spcPts val="0"/>
+              </a:spcBef>
+              <a:spcAft>
+                <a:spcPts val="0"/>
+              </a:spcAft>
+              <a:buClrTx/>
+              <a:buSzTx/>
+              <a:buFont typeface="Arial" panose="020B0604020202020204" pitchFamily="34" charset="0"/>
+              <a:buChar char="•"/>
+              <a:tabLst/>
+              <a:defRPr/>
+            </a:pPr>
+            <a:r>
+              <a:rPr kumimoji="0" lang="pt-BR" sz="1400" b="0" i="0" u="none" strike="noStrike" kern="0" cap="none" spc="0" normalizeH="0" baseline="0" noProof="0" dirty="0">
+                <a:ln>
+                  <a:noFill/>
+                </a:ln>
+                <a:solidFill>
+                  <a:prstClr val="black"/>
+                </a:solidFill>
+                <a:effectLst/>
+                <a:uLnTx/>
+                <a:uFillTx/>
+                <a:latin typeface="Verdana"/>
+                <a:ea typeface="Verdana"/>
+                <a:cs typeface="Arial"/>
+              </a:rPr>
+              <a:t>Nota: Em câmeras reais, essa distância pode variar entre os eixos X e Y.</a:t>
+            </a:r>
+          </a:p>
+          <a:p>
+            <a:pPr marL="1085850" marR="0" lvl="1" indent="-342900" algn="l" defTabSz="914400" eaLnBrk="1" fontAlgn="auto" latinLnBrk="0" hangingPunct="1">
+              <a:lnSpc>
+                <a:spcPct val="100000"/>
+              </a:lnSpc>
+              <a:spcBef>
+                <a:spcPts val="0"/>
+              </a:spcBef>
+              <a:spcAft>
+                <a:spcPts val="0"/>
+              </a:spcAft>
+              <a:buClrTx/>
+              <a:buSzTx/>
+              <a:buFont typeface="Arial" panose="020B0604020202020204" pitchFamily="34" charset="0"/>
+              <a:buChar char="•"/>
+              <a:tabLst/>
+              <a:defRPr/>
+            </a:pPr>
+            <a:endParaRPr kumimoji="0" lang="pt-BR" sz="1400" b="0" i="0" u="none" strike="noStrike" kern="0" cap="none" spc="0" normalizeH="0" baseline="0" noProof="0" dirty="0">
+              <a:ln>
+                <a:noFill/>
+              </a:ln>
+              <a:solidFill>
+                <a:prstClr val="black"/>
+              </a:solidFill>
+              <a:effectLst/>
+              <a:uLnTx/>
+              <a:uFillTx/>
+              <a:latin typeface="Verdana"/>
+              <a:ea typeface="Verdana"/>
+              <a:cs typeface="Arial"/>
+            </a:endParaRPr>
+          </a:p>
+          <a:p>
+            <a:pPr marL="342900" marR="0" lvl="0" indent="-342900" algn="l" defTabSz="914400" eaLnBrk="1" fontAlgn="auto" latinLnBrk="0" hangingPunct="1">
+              <a:lnSpc>
+                <a:spcPct val="100000"/>
+              </a:lnSpc>
+              <a:spcBef>
+                <a:spcPts val="0"/>
+              </a:spcBef>
+              <a:spcAft>
+                <a:spcPts val="0"/>
+              </a:spcAft>
+              <a:buClrTx/>
+              <a:buSzTx/>
+              <a:buFont typeface="Arial" panose="020B0604020202020204" pitchFamily="34" charset="0"/>
+              <a:buChar char="•"/>
+              <a:tabLst/>
+              <a:defRPr/>
+            </a:pPr>
+            <a:r>
+              <a:rPr kumimoji="0" lang="pt-BR" sz="1400" b="1" i="0" u="none" strike="noStrike" kern="0" cap="none" spc="0" normalizeH="0" baseline="0" noProof="0" dirty="0">
+                <a:ln>
+                  <a:noFill/>
+                </a:ln>
+                <a:solidFill>
+                  <a:prstClr val="black"/>
+                </a:solidFill>
+                <a:effectLst/>
+                <a:uLnTx/>
+                <a:uFillTx/>
+                <a:latin typeface="Verdana"/>
+                <a:ea typeface="Verdana"/>
+                <a:cs typeface="Arial"/>
+              </a:rPr>
+              <a:t>Ponto Principal (c):</a:t>
+            </a:r>
+          </a:p>
+          <a:p>
+            <a:pPr marL="0" marR="0" lvl="0" indent="0" algn="l" defTabSz="914400" eaLnBrk="1" fontAlgn="auto" latinLnBrk="0" hangingPunct="1">
+              <a:lnSpc>
+                <a:spcPct val="100000"/>
+              </a:lnSpc>
+              <a:spcBef>
+                <a:spcPts val="0"/>
+              </a:spcBef>
+              <a:spcAft>
+                <a:spcPts val="0"/>
+              </a:spcAft>
+              <a:buClrTx/>
+              <a:buSzTx/>
+              <a:buFontTx/>
+              <a:buNone/>
+              <a:tabLst/>
+              <a:defRPr/>
+            </a:pPr>
+            <a:endParaRPr kumimoji="0" lang="pt-BR" sz="1400" b="0" i="0" u="none" strike="noStrike" kern="0" cap="none" spc="0" normalizeH="0" baseline="0" noProof="0" dirty="0">
+              <a:ln>
+                <a:noFill/>
+              </a:ln>
+              <a:solidFill>
+                <a:prstClr val="black"/>
+              </a:solidFill>
+              <a:effectLst/>
+              <a:uLnTx/>
+              <a:uFillTx/>
+              <a:latin typeface="Verdana"/>
+              <a:ea typeface="Verdana"/>
+              <a:cs typeface="Arial"/>
+            </a:endParaRPr>
+          </a:p>
+          <a:p>
+            <a:pPr marL="1085850" marR="0" lvl="1" indent="-342900" algn="l" defTabSz="914400" eaLnBrk="1" fontAlgn="auto" latinLnBrk="0" hangingPunct="1">
+              <a:lnSpc>
+                <a:spcPct val="100000"/>
+              </a:lnSpc>
+              <a:spcBef>
+                <a:spcPts val="0"/>
+              </a:spcBef>
+              <a:spcAft>
+                <a:spcPts val="0"/>
+              </a:spcAft>
+              <a:buClrTx/>
+              <a:buSzTx/>
+              <a:buFont typeface="Arial" panose="020B0604020202020204" pitchFamily="34" charset="0"/>
+              <a:buChar char="•"/>
+              <a:tabLst/>
+              <a:defRPr/>
+            </a:pPr>
+            <a:r>
+              <a:rPr kumimoji="0" lang="pt-BR" sz="1400" b="0" i="0" u="none" strike="noStrike" kern="0" cap="none" spc="0" normalizeH="0" baseline="0" noProof="0" dirty="0">
+                <a:ln>
+                  <a:noFill/>
+                </a:ln>
+                <a:solidFill>
+                  <a:prstClr val="black"/>
+                </a:solidFill>
+                <a:effectLst/>
+                <a:uLnTx/>
+                <a:uFillTx/>
+                <a:latin typeface="Verdana"/>
+                <a:ea typeface="Verdana"/>
+                <a:cs typeface="Arial"/>
+              </a:rPr>
+              <a:t>Definição: Posição na imagem onde o eixo óptico atravessa o sensor.</a:t>
+            </a:r>
+          </a:p>
+          <a:p>
+            <a:pPr marL="1085850" marR="0" lvl="1" indent="-342900" algn="l" defTabSz="914400" eaLnBrk="1" fontAlgn="auto" latinLnBrk="0" hangingPunct="1">
+              <a:lnSpc>
+                <a:spcPct val="100000"/>
+              </a:lnSpc>
+              <a:spcBef>
+                <a:spcPts val="0"/>
+              </a:spcBef>
+              <a:spcAft>
+                <a:spcPts val="0"/>
+              </a:spcAft>
+              <a:buClrTx/>
+              <a:buSzTx/>
+              <a:buFont typeface="Arial" panose="020B0604020202020204" pitchFamily="34" charset="0"/>
+              <a:buChar char="•"/>
+              <a:tabLst/>
+              <a:defRPr/>
+            </a:pPr>
+            <a:endParaRPr kumimoji="0" lang="pt-BR" sz="1400" b="0" i="0" u="none" strike="noStrike" kern="0" cap="none" spc="0" normalizeH="0" baseline="0" noProof="0" dirty="0">
+              <a:ln>
+                <a:noFill/>
+              </a:ln>
+              <a:solidFill>
+                <a:prstClr val="black"/>
+              </a:solidFill>
+              <a:effectLst/>
+              <a:uLnTx/>
+              <a:uFillTx/>
+              <a:latin typeface="Verdana"/>
+              <a:ea typeface="Verdana"/>
+              <a:cs typeface="Arial"/>
+            </a:endParaRPr>
+          </a:p>
+          <a:p>
+            <a:pPr marL="1085850" marR="0" lvl="1" indent="-342900" algn="l" defTabSz="914400" eaLnBrk="1" fontAlgn="auto" latinLnBrk="0" hangingPunct="1">
+              <a:lnSpc>
+                <a:spcPct val="100000"/>
+              </a:lnSpc>
+              <a:spcBef>
+                <a:spcPts val="0"/>
+              </a:spcBef>
+              <a:spcAft>
+                <a:spcPts val="0"/>
+              </a:spcAft>
+              <a:buClrTx/>
+              <a:buSzTx/>
+              <a:buFont typeface="Arial" panose="020B0604020202020204" pitchFamily="34" charset="0"/>
+              <a:buChar char="•"/>
+              <a:tabLst/>
+              <a:defRPr/>
+            </a:pPr>
+            <a:r>
+              <a:rPr kumimoji="0" lang="pt-BR" sz="1400" b="0" i="0" u="none" strike="noStrike" kern="0" cap="none" spc="0" normalizeH="0" baseline="0" noProof="0" dirty="0">
+                <a:ln>
+                  <a:noFill/>
+                </a:ln>
+                <a:solidFill>
+                  <a:prstClr val="black"/>
+                </a:solidFill>
+                <a:effectLst/>
+                <a:uLnTx/>
+                <a:uFillTx/>
+                <a:latin typeface="Verdana"/>
+                <a:ea typeface="Verdana"/>
+                <a:cs typeface="Arial"/>
+              </a:rPr>
+              <a:t>Nota: Idealmente, corresponde à posição do pixel central. No entanto, em sensores reais, pode haver um leve deslocamento.</a:t>
+            </a:r>
+          </a:p>
+          <a:p>
+            <a:pPr marL="1085850" marR="0" lvl="1" indent="-342900" algn="l" defTabSz="914400" eaLnBrk="1" fontAlgn="auto" latinLnBrk="0" hangingPunct="1">
+              <a:lnSpc>
+                <a:spcPct val="100000"/>
+              </a:lnSpc>
+              <a:spcBef>
+                <a:spcPts val="0"/>
+              </a:spcBef>
+              <a:spcAft>
+                <a:spcPts val="0"/>
+              </a:spcAft>
+              <a:buClrTx/>
+              <a:buSzTx/>
+              <a:buFont typeface="Arial" panose="020B0604020202020204" pitchFamily="34" charset="0"/>
+              <a:buChar char="•"/>
+              <a:tabLst/>
+              <a:defRPr/>
+            </a:pPr>
+            <a:endParaRPr kumimoji="0" lang="pt-BR" sz="1400" b="0" i="0" u="none" strike="noStrike" kern="0" cap="none" spc="0" normalizeH="0" baseline="0" noProof="0" dirty="0">
+              <a:ln>
+                <a:noFill/>
+              </a:ln>
+              <a:solidFill>
+                <a:prstClr val="black"/>
+              </a:solidFill>
+              <a:effectLst/>
+              <a:uLnTx/>
+              <a:uFillTx/>
+              <a:latin typeface="Verdana"/>
+              <a:ea typeface="Verdana"/>
+              <a:cs typeface="Arial"/>
+            </a:endParaRPr>
+          </a:p>
+          <a:p>
+            <a:pPr marL="0" marR="0" lvl="0" indent="0" algn="l" defTabSz="914400" eaLnBrk="1" fontAlgn="auto" latinLnBrk="0" hangingPunct="1">
+              <a:lnSpc>
+                <a:spcPct val="100000"/>
+              </a:lnSpc>
+              <a:spcBef>
+                <a:spcPts val="0"/>
+              </a:spcBef>
+              <a:spcAft>
+                <a:spcPts val="0"/>
+              </a:spcAft>
+              <a:buClrTx/>
+              <a:buSzTx/>
+              <a:buFontTx/>
+              <a:buNone/>
+              <a:tabLst/>
+              <a:defRPr/>
+            </a:pPr>
+            <a:r>
+              <a:rPr kumimoji="0" lang="pt-BR" sz="1400" b="1" i="0" u="none" strike="noStrike" kern="0" cap="none" spc="0" normalizeH="0" baseline="0" noProof="0" dirty="0">
+                <a:ln>
+                  <a:noFill/>
+                </a:ln>
+                <a:solidFill>
+                  <a:prstClr val="black"/>
+                </a:solidFill>
+                <a:effectLst/>
+                <a:uLnTx/>
+                <a:uFillTx/>
+                <a:latin typeface="Verdana"/>
+                <a:ea typeface="Verdana"/>
+                <a:cs typeface="Arial"/>
+              </a:rPr>
+              <a:t>Parâmetros Extrínsecos da Câmera</a:t>
+            </a:r>
+          </a:p>
+          <a:p>
+            <a:pPr marL="0" marR="0" lvl="0" indent="0" algn="l" defTabSz="914400" eaLnBrk="1" fontAlgn="auto" latinLnBrk="0" hangingPunct="1">
+              <a:lnSpc>
+                <a:spcPct val="100000"/>
+              </a:lnSpc>
+              <a:spcBef>
+                <a:spcPts val="0"/>
+              </a:spcBef>
+              <a:spcAft>
+                <a:spcPts val="0"/>
+              </a:spcAft>
+              <a:buClrTx/>
+              <a:buSzTx/>
+              <a:buFontTx/>
+              <a:buNone/>
+              <a:tabLst/>
+              <a:defRPr/>
+            </a:pPr>
+            <a:endParaRPr kumimoji="0" lang="pt-BR" sz="1400" b="0" i="0" u="none" strike="noStrike" kern="0" cap="none" spc="0" normalizeH="0" baseline="0" noProof="0" dirty="0">
+              <a:ln>
+                <a:noFill/>
+              </a:ln>
+              <a:solidFill>
+                <a:prstClr val="black"/>
+              </a:solidFill>
+              <a:effectLst/>
+              <a:uLnTx/>
+              <a:uFillTx/>
+              <a:latin typeface="Verdana"/>
+              <a:ea typeface="Verdana"/>
+              <a:cs typeface="Arial"/>
+            </a:endParaRPr>
+          </a:p>
+          <a:p>
+            <a:pPr marL="342900" marR="0" lvl="0" indent="-342900" algn="l" defTabSz="914400" eaLnBrk="1" fontAlgn="auto" latinLnBrk="0" hangingPunct="1">
+              <a:lnSpc>
+                <a:spcPct val="100000"/>
+              </a:lnSpc>
+              <a:spcBef>
+                <a:spcPts val="0"/>
+              </a:spcBef>
+              <a:spcAft>
+                <a:spcPts val="0"/>
+              </a:spcAft>
+              <a:buClrTx/>
+              <a:buSzTx/>
+              <a:buFont typeface="Arial" panose="020B0604020202020204" pitchFamily="34" charset="0"/>
+              <a:buChar char="•"/>
+              <a:tabLst/>
+              <a:defRPr/>
+            </a:pPr>
+            <a:r>
+              <a:rPr kumimoji="0" lang="pt-BR" sz="1400" b="0" i="0" u="none" strike="noStrike" kern="0" cap="none" spc="0" normalizeH="0" baseline="0" noProof="0" dirty="0">
+                <a:ln>
+                  <a:noFill/>
+                </a:ln>
+                <a:solidFill>
+                  <a:prstClr val="black"/>
+                </a:solidFill>
+                <a:effectLst/>
+                <a:uLnTx/>
+                <a:uFillTx/>
+                <a:latin typeface="Verdana"/>
+                <a:ea typeface="Verdana"/>
+                <a:cs typeface="Arial"/>
+              </a:rPr>
+              <a:t>Representados por:</a:t>
+            </a:r>
+          </a:p>
+          <a:p>
+            <a:pPr marL="1085850" marR="0" lvl="1" indent="-342900" algn="l" defTabSz="914400" eaLnBrk="1" fontAlgn="auto" latinLnBrk="0" hangingPunct="1">
+              <a:lnSpc>
+                <a:spcPct val="100000"/>
+              </a:lnSpc>
+              <a:spcBef>
+                <a:spcPts val="0"/>
+              </a:spcBef>
+              <a:spcAft>
+                <a:spcPts val="0"/>
+              </a:spcAft>
+              <a:buClrTx/>
+              <a:buSzTx/>
+              <a:buFont typeface="Arial" panose="020B0604020202020204" pitchFamily="34" charset="0"/>
+              <a:buChar char="•"/>
+              <a:tabLst/>
+              <a:defRPr/>
+            </a:pPr>
+            <a:r>
+              <a:rPr kumimoji="0" lang="pt-BR" sz="1400" b="0" i="0" u="none" strike="noStrike" kern="0" cap="none" spc="0" normalizeH="0" baseline="0" noProof="0" dirty="0">
+                <a:ln>
+                  <a:noFill/>
+                </a:ln>
+                <a:solidFill>
+                  <a:prstClr val="black"/>
+                </a:solidFill>
+                <a:effectLst/>
+                <a:uLnTx/>
+                <a:uFillTx/>
+                <a:latin typeface="Verdana"/>
+                <a:ea typeface="Verdana"/>
+                <a:cs typeface="Arial"/>
+              </a:rPr>
+              <a:t>Vetor de translação.</a:t>
+            </a:r>
+          </a:p>
+          <a:p>
+            <a:pPr marL="1085850" marR="0" lvl="1" indent="-342900" algn="l" defTabSz="914400" eaLnBrk="1" fontAlgn="auto" latinLnBrk="0" hangingPunct="1">
+              <a:lnSpc>
+                <a:spcPct val="100000"/>
+              </a:lnSpc>
+              <a:spcBef>
+                <a:spcPts val="0"/>
+              </a:spcBef>
+              <a:spcAft>
+                <a:spcPts val="0"/>
+              </a:spcAft>
+              <a:buClrTx/>
+              <a:buSzTx/>
+              <a:buFont typeface="Arial" panose="020B0604020202020204" pitchFamily="34" charset="0"/>
+              <a:buChar char="•"/>
+              <a:tabLst/>
+              <a:defRPr/>
+            </a:pPr>
+            <a:r>
+              <a:rPr kumimoji="0" lang="pt-BR" sz="1400" b="0" i="0" u="none" strike="noStrike" kern="0" cap="none" spc="0" normalizeH="0" baseline="0" noProof="0" dirty="0">
+                <a:ln>
+                  <a:noFill/>
+                </a:ln>
+                <a:solidFill>
+                  <a:prstClr val="black"/>
+                </a:solidFill>
+                <a:effectLst/>
+                <a:uLnTx/>
+                <a:uFillTx/>
+                <a:latin typeface="Verdana"/>
+                <a:ea typeface="Verdana"/>
+                <a:cs typeface="Arial"/>
+              </a:rPr>
+              <a:t>Matriz de rotação 3D.</a:t>
+            </a:r>
+          </a:p>
+          <a:p>
+            <a:pPr marL="1085850" marR="0" lvl="1" indent="-342900" algn="l" defTabSz="914400" eaLnBrk="1" fontAlgn="auto" latinLnBrk="0" hangingPunct="1">
+              <a:lnSpc>
+                <a:spcPct val="100000"/>
+              </a:lnSpc>
+              <a:spcBef>
+                <a:spcPts val="0"/>
+              </a:spcBef>
+              <a:spcAft>
+                <a:spcPts val="0"/>
+              </a:spcAft>
+              <a:buClrTx/>
+              <a:buSzTx/>
+              <a:buFont typeface="Arial" panose="020B0604020202020204" pitchFamily="34" charset="0"/>
+              <a:buChar char="•"/>
+              <a:tabLst/>
+              <a:defRPr/>
+            </a:pPr>
+            <a:endParaRPr kumimoji="0" lang="pt-BR" sz="1400" b="0" i="0" u="none" strike="noStrike" kern="0" cap="none" spc="0" normalizeH="0" baseline="0" noProof="0" dirty="0">
+              <a:ln>
+                <a:noFill/>
+              </a:ln>
+              <a:solidFill>
+                <a:prstClr val="black"/>
+              </a:solidFill>
+              <a:effectLst/>
+              <a:uLnTx/>
+              <a:uFillTx/>
+              <a:latin typeface="Verdana"/>
+              <a:ea typeface="Verdana"/>
+              <a:cs typeface="Arial"/>
+            </a:endParaRPr>
+          </a:p>
+          <a:p>
+            <a:pPr marL="342900" marR="0" lvl="0" indent="-342900" algn="l" defTabSz="914400" eaLnBrk="1" fontAlgn="auto" latinLnBrk="0" hangingPunct="1">
+              <a:lnSpc>
+                <a:spcPct val="100000"/>
+              </a:lnSpc>
+              <a:spcBef>
+                <a:spcPts val="0"/>
+              </a:spcBef>
+              <a:spcAft>
+                <a:spcPts val="0"/>
+              </a:spcAft>
+              <a:buClrTx/>
+              <a:buSzTx/>
+              <a:buFont typeface="Arial" panose="020B0604020202020204" pitchFamily="34" charset="0"/>
+              <a:buChar char="•"/>
+              <a:tabLst/>
+              <a:defRPr/>
+            </a:pPr>
+            <a:r>
+              <a:rPr kumimoji="0" lang="pt-BR" sz="1400" b="0" i="0" u="none" strike="noStrike" kern="0" cap="none" spc="0" normalizeH="0" baseline="0" noProof="0" dirty="0">
+                <a:ln>
+                  <a:noFill/>
+                </a:ln>
+                <a:solidFill>
+                  <a:prstClr val="black"/>
+                </a:solidFill>
+                <a:effectLst/>
+                <a:uLnTx/>
+                <a:uFillTx/>
+                <a:latin typeface="Verdana"/>
+                <a:ea typeface="Verdana"/>
+                <a:cs typeface="Arial"/>
+              </a:rPr>
+              <a:t>Função: Indicam o posicionamento da câmera em relação ao objeto ou cena.</a:t>
+            </a:r>
+            <a:endParaRPr kumimoji="0" lang="pt-BR" sz="1400" b="0" i="0" u="none" strike="noStrike" kern="0" cap="none" spc="0" normalizeH="0" baseline="0" noProof="0" dirty="0">
+              <a:ln>
+                <a:noFill/>
+              </a:ln>
+              <a:solidFill>
+                <a:prstClr val="black"/>
+              </a:solidFill>
+              <a:effectLst/>
+              <a:uLnTx/>
+              <a:uFillTx/>
+              <a:latin typeface="Verdana"/>
+              <a:ea typeface="Verdana"/>
+            </a:endParaRPr>
+          </a:p>
+        </p:txBody>
+      </p:sp>
+    </p:spTree>
+  </p:cSld>
+  <p:clrMapOvr>
+    <a:overrideClrMapping bg1="lt1" tx1="dk1" bg2="lt2" tx2="dk2" accent1="accent1" accent2="accent2" accent3="accent3" accent4="accent4" accent5="accent5" accent6="accent6" hlink="hlink" folHlink="folHlink"/>
+  </p:clrMapOvr>
+</p:sld>
+</file>
+
+<file path=ppt/slides/slide11.xml><?xml version="1.0" encoding="utf-8"?>
+<p:sld xmlns:a="http://schemas.openxmlformats.org/drawingml/2006/main" xmlns:r="http://schemas.openxmlformats.org/officeDocument/2006/relationships" xmlns:p="http://schemas.openxmlformats.org/presentationml/2006/main" showMasterPhAnim="0">
+  <p:cSld>
     <p:spTree>
       <p:nvGrpSpPr>
         <p:cNvPr id="1" name=""/>
@@ -9270,7 +10118,7 @@
                 </a:spcAft>
                 <a:defRPr/>
               </a:pPr>
-              <a:t>10</a:t>
+              <a:t>11</a:t>
             </a:fld>
             <a:endParaRPr lang="pt-BR"/>
           </a:p>
@@ -9285,854 +10133,6 @@
   </p:cSld>
   <p:clrMapOvr>
     <a:masterClrMapping/>
-  </p:clrMapOvr>
-</p:sld>
-</file>
-
-<file path=ppt/slides/slide11.xml><?xml version="1.0" encoding="utf-8"?>
-<p:sld xmlns:a="http://schemas.openxmlformats.org/drawingml/2006/main" xmlns:r="http://schemas.openxmlformats.org/officeDocument/2006/relationships" xmlns:p="http://schemas.openxmlformats.org/presentationml/2006/main" showMasterPhAnim="0">
-  <p:cSld>
-    <p:bg>
-      <p:bgRef idx="1001">
-        <a:schemeClr val="bg1"/>
-      </p:bgRef>
-    </p:bg>
-    <p:spTree>
-      <p:nvGrpSpPr>
-        <p:cNvPr id="1" name=""/>
-        <p:cNvGrpSpPr/>
-        <p:nvPr/>
-      </p:nvGrpSpPr>
-      <p:grpSpPr bwMode="auto">
-        <a:xfrm>
-          <a:off x="0" y="0"/>
-          <a:ext cx="0" cy="0"/>
-          <a:chOff x="0" y="0"/>
-          <a:chExt cx="0" cy="0"/>
-        </a:xfrm>
-      </p:grpSpPr>
-      <p:sp>
-        <p:nvSpPr>
-          <p:cNvPr id="2" name="Título 1"/>
-          <p:cNvSpPr>
-            <a:spLocks noGrp="1"/>
-          </p:cNvSpPr>
-          <p:nvPr>
-            <p:ph type="title"/>
-          </p:nvPr>
-        </p:nvSpPr>
-        <p:spPr bwMode="auto"/>
-        <p:txBody>
-          <a:bodyPr/>
-          <a:lstStyle/>
-          <a:p>
-            <a:pPr>
-              <a:defRPr/>
-            </a:pPr>
-            <a:r>
-              <a:rPr lang="pt-BR" b="1" dirty="0"/>
-              <a:t>Calibração da Câmera</a:t>
-            </a:r>
-          </a:p>
-        </p:txBody>
-      </p:sp>
-      <p:sp>
-        <p:nvSpPr>
-          <p:cNvPr id="3" name="Espaço Reservado para Texto 2"/>
-          <p:cNvSpPr>
-            <a:spLocks noGrp="1"/>
-          </p:cNvSpPr>
-          <p:nvPr>
-            <p:ph type="body" sz="quarter" idx="13"/>
-          </p:nvPr>
-        </p:nvSpPr>
-        <p:spPr bwMode="auto"/>
-        <p:txBody>
-          <a:bodyPr/>
-          <a:lstStyle/>
-          <a:p>
-            <a:pPr>
-              <a:defRPr/>
-            </a:pPr>
-            <a:endParaRPr lang="pt-BR"/>
-          </a:p>
-        </p:txBody>
-      </p:sp>
-      <p:sp>
-        <p:nvSpPr>
-          <p:cNvPr id="19" name="Rectangle 3">
-            <a:extLst>
-              <a:ext uri="{FF2B5EF4-FFF2-40B4-BE49-F238E27FC236}">
-                <a16:creationId xmlns:a16="http://schemas.microsoft.com/office/drawing/2014/main" id="{C9D413DF-895C-7DD3-140B-F13F54C6B45D}"/>
-              </a:ext>
-            </a:extLst>
-          </p:cNvPr>
-          <p:cNvSpPr>
-            <a:spLocks noGrp="1" noChangeArrowheads="1"/>
-          </p:cNvSpPr>
-          <p:nvPr>
-            <p:ph idx="1"/>
-          </p:nvPr>
-        </p:nvSpPr>
-        <p:spPr bwMode="auto">
-          <a:xfrm>
-            <a:off x="657225" y="1485900"/>
-            <a:ext cx="8029647" cy="5047536"/>
-          </a:xfrm>
-        </p:spPr>
-        <p:txBody>
-          <a:bodyPr>
-            <a:spAutoFit/>
-          </a:bodyPr>
-          <a:lstStyle/>
-          <a:p>
-            <a:pPr marL="0" marR="0" lvl="0" indent="0" algn="l" defTabSz="914400" eaLnBrk="1" fontAlgn="auto" latinLnBrk="0" hangingPunct="1">
-              <a:lnSpc>
-                <a:spcPct val="100000"/>
-              </a:lnSpc>
-              <a:spcBef>
-                <a:spcPts val="0"/>
-              </a:spcBef>
-              <a:spcAft>
-                <a:spcPts val="0"/>
-              </a:spcAft>
-              <a:buClrTx/>
-              <a:buSzTx/>
-              <a:buFontTx/>
-              <a:buNone/>
-              <a:tabLst/>
-              <a:defRPr/>
-            </a:pPr>
-            <a:r>
-              <a:rPr kumimoji="0" lang="pt-BR" sz="1400" b="1" i="0" u="none" strike="noStrike" kern="0" cap="none" spc="0" normalizeH="0" baseline="0" noProof="0" dirty="0">
-                <a:ln>
-                  <a:noFill/>
-                </a:ln>
-                <a:solidFill>
-                  <a:prstClr val="black"/>
-                </a:solidFill>
-                <a:effectLst/>
-                <a:uLnTx/>
-                <a:uFillTx/>
-                <a:latin typeface="Verdana"/>
-                <a:ea typeface="Verdana"/>
-                <a:cs typeface="Arial"/>
-              </a:rPr>
-              <a:t>Parâmetros Intrínsecos da Câmera</a:t>
-            </a:r>
-          </a:p>
-          <a:p>
-            <a:pPr marL="0" marR="0" lvl="0" indent="0" algn="l" defTabSz="914400" eaLnBrk="1" fontAlgn="auto" latinLnBrk="0" hangingPunct="1">
-              <a:lnSpc>
-                <a:spcPct val="100000"/>
-              </a:lnSpc>
-              <a:spcBef>
-                <a:spcPts val="0"/>
-              </a:spcBef>
-              <a:spcAft>
-                <a:spcPts val="0"/>
-              </a:spcAft>
-              <a:buClrTx/>
-              <a:buSzTx/>
-              <a:buFontTx/>
-              <a:buNone/>
-              <a:tabLst/>
-              <a:defRPr/>
-            </a:pPr>
-            <a:endParaRPr kumimoji="0" lang="pt-BR" sz="1400" b="0" i="0" u="none" strike="noStrike" kern="0" cap="none" spc="0" normalizeH="0" baseline="0" noProof="0" dirty="0">
-              <a:ln>
-                <a:noFill/>
-              </a:ln>
-              <a:solidFill>
-                <a:prstClr val="black"/>
-              </a:solidFill>
-              <a:effectLst/>
-              <a:uLnTx/>
-              <a:uFillTx/>
-              <a:latin typeface="Verdana"/>
-              <a:ea typeface="Verdana"/>
-              <a:cs typeface="Arial"/>
-            </a:endParaRPr>
-          </a:p>
-          <a:p>
-            <a:pPr marL="342900" marR="0" lvl="0" indent="-342900" algn="l" defTabSz="914400" eaLnBrk="1" fontAlgn="auto" latinLnBrk="0" hangingPunct="1">
-              <a:lnSpc>
-                <a:spcPct val="100000"/>
-              </a:lnSpc>
-              <a:spcBef>
-                <a:spcPts val="0"/>
-              </a:spcBef>
-              <a:spcAft>
-                <a:spcPts val="0"/>
-              </a:spcAft>
-              <a:buClrTx/>
-              <a:buSzTx/>
-              <a:buFont typeface="Arial" panose="020B0604020202020204" pitchFamily="34" charset="0"/>
-              <a:buChar char="•"/>
-              <a:tabLst/>
-              <a:defRPr/>
-            </a:pPr>
-            <a:r>
-              <a:rPr kumimoji="0" lang="pt-BR" sz="1400" b="1" i="0" u="none" strike="noStrike" kern="0" cap="none" spc="0" normalizeH="0" baseline="0" noProof="0" dirty="0">
-                <a:ln>
-                  <a:noFill/>
-                </a:ln>
-                <a:solidFill>
-                  <a:prstClr val="black"/>
-                </a:solidFill>
-                <a:effectLst/>
-                <a:uLnTx/>
-                <a:uFillTx/>
-                <a:latin typeface="Verdana"/>
-                <a:ea typeface="Verdana"/>
-                <a:cs typeface="Arial"/>
-              </a:rPr>
-              <a:t>Distância Focal (f)</a:t>
-            </a:r>
-          </a:p>
-          <a:p>
-            <a:pPr marL="0" marR="0" lvl="0" indent="0" algn="l" defTabSz="914400" eaLnBrk="1" fontAlgn="auto" latinLnBrk="0" hangingPunct="1">
-              <a:lnSpc>
-                <a:spcPct val="100000"/>
-              </a:lnSpc>
-              <a:spcBef>
-                <a:spcPts val="0"/>
-              </a:spcBef>
-              <a:spcAft>
-                <a:spcPts val="0"/>
-              </a:spcAft>
-              <a:buClrTx/>
-              <a:buSzTx/>
-              <a:buFontTx/>
-              <a:buNone/>
-              <a:tabLst/>
-              <a:defRPr/>
-            </a:pPr>
-            <a:endParaRPr kumimoji="0" lang="pt-BR" sz="1400" b="0" i="0" u="none" strike="noStrike" kern="0" cap="none" spc="0" normalizeH="0" baseline="0" noProof="0" dirty="0">
-              <a:ln>
-                <a:noFill/>
-              </a:ln>
-              <a:solidFill>
-                <a:prstClr val="black"/>
-              </a:solidFill>
-              <a:effectLst/>
-              <a:uLnTx/>
-              <a:uFillTx/>
-              <a:latin typeface="Verdana"/>
-              <a:ea typeface="Verdana"/>
-              <a:cs typeface="Arial"/>
-            </a:endParaRPr>
-          </a:p>
-          <a:p>
-            <a:pPr marL="1085850" marR="0" lvl="1" indent="-342900" algn="l" defTabSz="914400" eaLnBrk="1" fontAlgn="auto" latinLnBrk="0" hangingPunct="1">
-              <a:lnSpc>
-                <a:spcPct val="100000"/>
-              </a:lnSpc>
-              <a:spcBef>
-                <a:spcPts val="0"/>
-              </a:spcBef>
-              <a:spcAft>
-                <a:spcPts val="0"/>
-              </a:spcAft>
-              <a:buClrTx/>
-              <a:buSzTx/>
-              <a:buFont typeface="Arial" panose="020B0604020202020204" pitchFamily="34" charset="0"/>
-              <a:buChar char="•"/>
-              <a:tabLst/>
-              <a:defRPr/>
-            </a:pPr>
-            <a:r>
-              <a:rPr kumimoji="0" lang="pt-BR" sz="1400" b="0" i="0" u="none" strike="noStrike" kern="0" cap="none" spc="0" normalizeH="0" baseline="0" noProof="0" dirty="0">
-                <a:ln>
-                  <a:noFill/>
-                </a:ln>
-                <a:solidFill>
-                  <a:prstClr val="black"/>
-                </a:solidFill>
-                <a:effectLst/>
-                <a:uLnTx/>
-                <a:uFillTx/>
-                <a:latin typeface="Verdana"/>
-                <a:ea typeface="Verdana"/>
-                <a:cs typeface="Arial"/>
-              </a:rPr>
-              <a:t>Definição: Distância entre o centro óptico e a superfície de formação da imagem.</a:t>
-            </a:r>
-          </a:p>
-          <a:p>
-            <a:pPr marL="1085850" marR="0" lvl="1" indent="-342900" algn="l" defTabSz="914400" eaLnBrk="1" fontAlgn="auto" latinLnBrk="0" hangingPunct="1">
-              <a:lnSpc>
-                <a:spcPct val="100000"/>
-              </a:lnSpc>
-              <a:spcBef>
-                <a:spcPts val="0"/>
-              </a:spcBef>
-              <a:spcAft>
-                <a:spcPts val="0"/>
-              </a:spcAft>
-              <a:buClrTx/>
-              <a:buSzTx/>
-              <a:buFont typeface="Arial" panose="020B0604020202020204" pitchFamily="34" charset="0"/>
-              <a:buChar char="•"/>
-              <a:tabLst/>
-              <a:defRPr/>
-            </a:pPr>
-            <a:endParaRPr kumimoji="0" lang="pt-BR" sz="1400" b="0" i="0" u="none" strike="noStrike" kern="0" cap="none" spc="0" normalizeH="0" baseline="0" noProof="0" dirty="0">
-              <a:ln>
-                <a:noFill/>
-              </a:ln>
-              <a:solidFill>
-                <a:prstClr val="black"/>
-              </a:solidFill>
-              <a:effectLst/>
-              <a:uLnTx/>
-              <a:uFillTx/>
-              <a:latin typeface="Verdana"/>
-              <a:ea typeface="Verdana"/>
-              <a:cs typeface="Arial"/>
-            </a:endParaRPr>
-          </a:p>
-          <a:p>
-            <a:pPr marL="1085850" marR="0" lvl="1" indent="-342900" algn="l" defTabSz="914400" eaLnBrk="1" fontAlgn="auto" latinLnBrk="0" hangingPunct="1">
-              <a:lnSpc>
-                <a:spcPct val="100000"/>
-              </a:lnSpc>
-              <a:spcBef>
-                <a:spcPts val="0"/>
-              </a:spcBef>
-              <a:spcAft>
-                <a:spcPts val="0"/>
-              </a:spcAft>
-              <a:buClrTx/>
-              <a:buSzTx/>
-              <a:buFont typeface="Arial" panose="020B0604020202020204" pitchFamily="34" charset="0"/>
-              <a:buChar char="•"/>
-              <a:tabLst/>
-              <a:defRPr/>
-            </a:pPr>
-            <a:r>
-              <a:rPr kumimoji="0" lang="pt-BR" sz="1400" b="0" i="0" u="none" strike="noStrike" kern="0" cap="none" spc="0" normalizeH="0" baseline="0" noProof="0" dirty="0">
-                <a:ln>
-                  <a:noFill/>
-                </a:ln>
-                <a:solidFill>
-                  <a:prstClr val="black"/>
-                </a:solidFill>
-                <a:effectLst/>
-                <a:uLnTx/>
-                <a:uFillTx/>
-                <a:latin typeface="Verdana"/>
-                <a:ea typeface="Verdana"/>
-                <a:cs typeface="Arial"/>
-              </a:rPr>
-              <a:t>Nota: Em câmeras reais, essa distância pode variar entre os eixos X e Y.</a:t>
-            </a:r>
-          </a:p>
-          <a:p>
-            <a:pPr marL="1085850" marR="0" lvl="1" indent="-342900" algn="l" defTabSz="914400" eaLnBrk="1" fontAlgn="auto" latinLnBrk="0" hangingPunct="1">
-              <a:lnSpc>
-                <a:spcPct val="100000"/>
-              </a:lnSpc>
-              <a:spcBef>
-                <a:spcPts val="0"/>
-              </a:spcBef>
-              <a:spcAft>
-                <a:spcPts val="0"/>
-              </a:spcAft>
-              <a:buClrTx/>
-              <a:buSzTx/>
-              <a:buFont typeface="Arial" panose="020B0604020202020204" pitchFamily="34" charset="0"/>
-              <a:buChar char="•"/>
-              <a:tabLst/>
-              <a:defRPr/>
-            </a:pPr>
-            <a:endParaRPr kumimoji="0" lang="pt-BR" sz="1400" b="0" i="0" u="none" strike="noStrike" kern="0" cap="none" spc="0" normalizeH="0" baseline="0" noProof="0" dirty="0">
-              <a:ln>
-                <a:noFill/>
-              </a:ln>
-              <a:solidFill>
-                <a:prstClr val="black"/>
-              </a:solidFill>
-              <a:effectLst/>
-              <a:uLnTx/>
-              <a:uFillTx/>
-              <a:latin typeface="Verdana"/>
-              <a:ea typeface="Verdana"/>
-              <a:cs typeface="Arial"/>
-            </a:endParaRPr>
-          </a:p>
-          <a:p>
-            <a:pPr marL="342900" marR="0" lvl="0" indent="-342900" algn="l" defTabSz="914400" eaLnBrk="1" fontAlgn="auto" latinLnBrk="0" hangingPunct="1">
-              <a:lnSpc>
-                <a:spcPct val="100000"/>
-              </a:lnSpc>
-              <a:spcBef>
-                <a:spcPts val="0"/>
-              </a:spcBef>
-              <a:spcAft>
-                <a:spcPts val="0"/>
-              </a:spcAft>
-              <a:buClrTx/>
-              <a:buSzTx/>
-              <a:buFont typeface="Arial" panose="020B0604020202020204" pitchFamily="34" charset="0"/>
-              <a:buChar char="•"/>
-              <a:tabLst/>
-              <a:defRPr/>
-            </a:pPr>
-            <a:r>
-              <a:rPr kumimoji="0" lang="pt-BR" sz="1400" b="1" i="0" u="none" strike="noStrike" kern="0" cap="none" spc="0" normalizeH="0" baseline="0" noProof="0" dirty="0">
-                <a:ln>
-                  <a:noFill/>
-                </a:ln>
-                <a:solidFill>
-                  <a:prstClr val="black"/>
-                </a:solidFill>
-                <a:effectLst/>
-                <a:uLnTx/>
-                <a:uFillTx/>
-                <a:latin typeface="Verdana"/>
-                <a:ea typeface="Verdana"/>
-                <a:cs typeface="Arial"/>
-              </a:rPr>
-              <a:t>Ponto Principal (c):</a:t>
-            </a:r>
-          </a:p>
-          <a:p>
-            <a:pPr marL="0" marR="0" lvl="0" indent="0" algn="l" defTabSz="914400" eaLnBrk="1" fontAlgn="auto" latinLnBrk="0" hangingPunct="1">
-              <a:lnSpc>
-                <a:spcPct val="100000"/>
-              </a:lnSpc>
-              <a:spcBef>
-                <a:spcPts val="0"/>
-              </a:spcBef>
-              <a:spcAft>
-                <a:spcPts val="0"/>
-              </a:spcAft>
-              <a:buClrTx/>
-              <a:buSzTx/>
-              <a:buFontTx/>
-              <a:buNone/>
-              <a:tabLst/>
-              <a:defRPr/>
-            </a:pPr>
-            <a:endParaRPr kumimoji="0" lang="pt-BR" sz="1400" b="0" i="0" u="none" strike="noStrike" kern="0" cap="none" spc="0" normalizeH="0" baseline="0" noProof="0" dirty="0">
-              <a:ln>
-                <a:noFill/>
-              </a:ln>
-              <a:solidFill>
-                <a:prstClr val="black"/>
-              </a:solidFill>
-              <a:effectLst/>
-              <a:uLnTx/>
-              <a:uFillTx/>
-              <a:latin typeface="Verdana"/>
-              <a:ea typeface="Verdana"/>
-              <a:cs typeface="Arial"/>
-            </a:endParaRPr>
-          </a:p>
-          <a:p>
-            <a:pPr marL="1085850" marR="0" lvl="1" indent="-342900" algn="l" defTabSz="914400" eaLnBrk="1" fontAlgn="auto" latinLnBrk="0" hangingPunct="1">
-              <a:lnSpc>
-                <a:spcPct val="100000"/>
-              </a:lnSpc>
-              <a:spcBef>
-                <a:spcPts val="0"/>
-              </a:spcBef>
-              <a:spcAft>
-                <a:spcPts val="0"/>
-              </a:spcAft>
-              <a:buClrTx/>
-              <a:buSzTx/>
-              <a:buFont typeface="Arial" panose="020B0604020202020204" pitchFamily="34" charset="0"/>
-              <a:buChar char="•"/>
-              <a:tabLst/>
-              <a:defRPr/>
-            </a:pPr>
-            <a:r>
-              <a:rPr kumimoji="0" lang="pt-BR" sz="1400" b="0" i="0" u="none" strike="noStrike" kern="0" cap="none" spc="0" normalizeH="0" baseline="0" noProof="0" dirty="0">
-                <a:ln>
-                  <a:noFill/>
-                </a:ln>
-                <a:solidFill>
-                  <a:prstClr val="black"/>
-                </a:solidFill>
-                <a:effectLst/>
-                <a:uLnTx/>
-                <a:uFillTx/>
-                <a:latin typeface="Verdana"/>
-                <a:ea typeface="Verdana"/>
-                <a:cs typeface="Arial"/>
-              </a:rPr>
-              <a:t>Definição: Posição na imagem onde o eixo óptico atravessa o sensor.</a:t>
-            </a:r>
-          </a:p>
-          <a:p>
-            <a:pPr marL="1085850" marR="0" lvl="1" indent="-342900" algn="l" defTabSz="914400" eaLnBrk="1" fontAlgn="auto" latinLnBrk="0" hangingPunct="1">
-              <a:lnSpc>
-                <a:spcPct val="100000"/>
-              </a:lnSpc>
-              <a:spcBef>
-                <a:spcPts val="0"/>
-              </a:spcBef>
-              <a:spcAft>
-                <a:spcPts val="0"/>
-              </a:spcAft>
-              <a:buClrTx/>
-              <a:buSzTx/>
-              <a:buFont typeface="Arial" panose="020B0604020202020204" pitchFamily="34" charset="0"/>
-              <a:buChar char="•"/>
-              <a:tabLst/>
-              <a:defRPr/>
-            </a:pPr>
-            <a:endParaRPr kumimoji="0" lang="pt-BR" sz="1400" b="0" i="0" u="none" strike="noStrike" kern="0" cap="none" spc="0" normalizeH="0" baseline="0" noProof="0" dirty="0">
-              <a:ln>
-                <a:noFill/>
-              </a:ln>
-              <a:solidFill>
-                <a:prstClr val="black"/>
-              </a:solidFill>
-              <a:effectLst/>
-              <a:uLnTx/>
-              <a:uFillTx/>
-              <a:latin typeface="Verdana"/>
-              <a:ea typeface="Verdana"/>
-              <a:cs typeface="Arial"/>
-            </a:endParaRPr>
-          </a:p>
-          <a:p>
-            <a:pPr marL="1085850" marR="0" lvl="1" indent="-342900" algn="l" defTabSz="914400" eaLnBrk="1" fontAlgn="auto" latinLnBrk="0" hangingPunct="1">
-              <a:lnSpc>
-                <a:spcPct val="100000"/>
-              </a:lnSpc>
-              <a:spcBef>
-                <a:spcPts val="0"/>
-              </a:spcBef>
-              <a:spcAft>
-                <a:spcPts val="0"/>
-              </a:spcAft>
-              <a:buClrTx/>
-              <a:buSzTx/>
-              <a:buFont typeface="Arial" panose="020B0604020202020204" pitchFamily="34" charset="0"/>
-              <a:buChar char="•"/>
-              <a:tabLst/>
-              <a:defRPr/>
-            </a:pPr>
-            <a:r>
-              <a:rPr kumimoji="0" lang="pt-BR" sz="1400" b="0" i="0" u="none" strike="noStrike" kern="0" cap="none" spc="0" normalizeH="0" baseline="0" noProof="0" dirty="0">
-                <a:ln>
-                  <a:noFill/>
-                </a:ln>
-                <a:solidFill>
-                  <a:prstClr val="black"/>
-                </a:solidFill>
-                <a:effectLst/>
-                <a:uLnTx/>
-                <a:uFillTx/>
-                <a:latin typeface="Verdana"/>
-                <a:ea typeface="Verdana"/>
-                <a:cs typeface="Arial"/>
-              </a:rPr>
-              <a:t>Nota: Idealmente, corresponde à posição do pixel central. No entanto, em sensores reais, pode haver um leve deslocamento.</a:t>
-            </a:r>
-          </a:p>
-          <a:p>
-            <a:pPr marL="1085850" marR="0" lvl="1" indent="-342900" algn="l" defTabSz="914400" eaLnBrk="1" fontAlgn="auto" latinLnBrk="0" hangingPunct="1">
-              <a:lnSpc>
-                <a:spcPct val="100000"/>
-              </a:lnSpc>
-              <a:spcBef>
-                <a:spcPts val="0"/>
-              </a:spcBef>
-              <a:spcAft>
-                <a:spcPts val="0"/>
-              </a:spcAft>
-              <a:buClrTx/>
-              <a:buSzTx/>
-              <a:buFont typeface="Arial" panose="020B0604020202020204" pitchFamily="34" charset="0"/>
-              <a:buChar char="•"/>
-              <a:tabLst/>
-              <a:defRPr/>
-            </a:pPr>
-            <a:endParaRPr kumimoji="0" lang="pt-BR" sz="1400" b="0" i="0" u="none" strike="noStrike" kern="0" cap="none" spc="0" normalizeH="0" baseline="0" noProof="0" dirty="0">
-              <a:ln>
-                <a:noFill/>
-              </a:ln>
-              <a:solidFill>
-                <a:prstClr val="black"/>
-              </a:solidFill>
-              <a:effectLst/>
-              <a:uLnTx/>
-              <a:uFillTx/>
-              <a:latin typeface="Verdana"/>
-              <a:ea typeface="Verdana"/>
-              <a:cs typeface="Arial"/>
-            </a:endParaRPr>
-          </a:p>
-          <a:p>
-            <a:pPr marL="0" marR="0" lvl="0" indent="0" algn="l" defTabSz="914400" eaLnBrk="1" fontAlgn="auto" latinLnBrk="0" hangingPunct="1">
-              <a:lnSpc>
-                <a:spcPct val="100000"/>
-              </a:lnSpc>
-              <a:spcBef>
-                <a:spcPts val="0"/>
-              </a:spcBef>
-              <a:spcAft>
-                <a:spcPts val="0"/>
-              </a:spcAft>
-              <a:buClrTx/>
-              <a:buSzTx/>
-              <a:buFontTx/>
-              <a:buNone/>
-              <a:tabLst/>
-              <a:defRPr/>
-            </a:pPr>
-            <a:r>
-              <a:rPr kumimoji="0" lang="pt-BR" sz="1400" b="1" i="0" u="none" strike="noStrike" kern="0" cap="none" spc="0" normalizeH="0" baseline="0" noProof="0" dirty="0">
-                <a:ln>
-                  <a:noFill/>
-                </a:ln>
-                <a:solidFill>
-                  <a:prstClr val="black"/>
-                </a:solidFill>
-                <a:effectLst/>
-                <a:uLnTx/>
-                <a:uFillTx/>
-                <a:latin typeface="Verdana"/>
-                <a:ea typeface="Verdana"/>
-                <a:cs typeface="Arial"/>
-              </a:rPr>
-              <a:t>Parâmetros Extrínsecos da Câmera</a:t>
-            </a:r>
-          </a:p>
-          <a:p>
-            <a:pPr marL="0" marR="0" lvl="0" indent="0" algn="l" defTabSz="914400" eaLnBrk="1" fontAlgn="auto" latinLnBrk="0" hangingPunct="1">
-              <a:lnSpc>
-                <a:spcPct val="100000"/>
-              </a:lnSpc>
-              <a:spcBef>
-                <a:spcPts val="0"/>
-              </a:spcBef>
-              <a:spcAft>
-                <a:spcPts val="0"/>
-              </a:spcAft>
-              <a:buClrTx/>
-              <a:buSzTx/>
-              <a:buFontTx/>
-              <a:buNone/>
-              <a:tabLst/>
-              <a:defRPr/>
-            </a:pPr>
-            <a:endParaRPr kumimoji="0" lang="pt-BR" sz="1400" b="0" i="0" u="none" strike="noStrike" kern="0" cap="none" spc="0" normalizeH="0" baseline="0" noProof="0" dirty="0">
-              <a:ln>
-                <a:noFill/>
-              </a:ln>
-              <a:solidFill>
-                <a:prstClr val="black"/>
-              </a:solidFill>
-              <a:effectLst/>
-              <a:uLnTx/>
-              <a:uFillTx/>
-              <a:latin typeface="Verdana"/>
-              <a:ea typeface="Verdana"/>
-              <a:cs typeface="Arial"/>
-            </a:endParaRPr>
-          </a:p>
-          <a:p>
-            <a:pPr marL="342900" marR="0" lvl="0" indent="-342900" algn="l" defTabSz="914400" eaLnBrk="1" fontAlgn="auto" latinLnBrk="0" hangingPunct="1">
-              <a:lnSpc>
-                <a:spcPct val="100000"/>
-              </a:lnSpc>
-              <a:spcBef>
-                <a:spcPts val="0"/>
-              </a:spcBef>
-              <a:spcAft>
-                <a:spcPts val="0"/>
-              </a:spcAft>
-              <a:buClrTx/>
-              <a:buSzTx/>
-              <a:buFont typeface="Arial" panose="020B0604020202020204" pitchFamily="34" charset="0"/>
-              <a:buChar char="•"/>
-              <a:tabLst/>
-              <a:defRPr/>
-            </a:pPr>
-            <a:r>
-              <a:rPr kumimoji="0" lang="pt-BR" sz="1400" b="0" i="0" u="none" strike="noStrike" kern="0" cap="none" spc="0" normalizeH="0" baseline="0" noProof="0" dirty="0">
-                <a:ln>
-                  <a:noFill/>
-                </a:ln>
-                <a:solidFill>
-                  <a:prstClr val="black"/>
-                </a:solidFill>
-                <a:effectLst/>
-                <a:uLnTx/>
-                <a:uFillTx/>
-                <a:latin typeface="Verdana"/>
-                <a:ea typeface="Verdana"/>
-                <a:cs typeface="Arial"/>
-              </a:rPr>
-              <a:t>Representados por:</a:t>
-            </a:r>
-          </a:p>
-          <a:p>
-            <a:pPr marL="1085850" marR="0" lvl="1" indent="-342900" algn="l" defTabSz="914400" eaLnBrk="1" fontAlgn="auto" latinLnBrk="0" hangingPunct="1">
-              <a:lnSpc>
-                <a:spcPct val="100000"/>
-              </a:lnSpc>
-              <a:spcBef>
-                <a:spcPts val="0"/>
-              </a:spcBef>
-              <a:spcAft>
-                <a:spcPts val="0"/>
-              </a:spcAft>
-              <a:buClrTx/>
-              <a:buSzTx/>
-              <a:buFont typeface="Arial" panose="020B0604020202020204" pitchFamily="34" charset="0"/>
-              <a:buChar char="•"/>
-              <a:tabLst/>
-              <a:defRPr/>
-            </a:pPr>
-            <a:r>
-              <a:rPr kumimoji="0" lang="pt-BR" sz="1400" b="0" i="0" u="none" strike="noStrike" kern="0" cap="none" spc="0" normalizeH="0" baseline="0" noProof="0" dirty="0">
-                <a:ln>
-                  <a:noFill/>
-                </a:ln>
-                <a:solidFill>
-                  <a:prstClr val="black"/>
-                </a:solidFill>
-                <a:effectLst/>
-                <a:uLnTx/>
-                <a:uFillTx/>
-                <a:latin typeface="Verdana"/>
-                <a:ea typeface="Verdana"/>
-                <a:cs typeface="Arial"/>
-              </a:rPr>
-              <a:t>Vetor de translação.</a:t>
-            </a:r>
-          </a:p>
-          <a:p>
-            <a:pPr marL="1085850" marR="0" lvl="1" indent="-342900" algn="l" defTabSz="914400" eaLnBrk="1" fontAlgn="auto" latinLnBrk="0" hangingPunct="1">
-              <a:lnSpc>
-                <a:spcPct val="100000"/>
-              </a:lnSpc>
-              <a:spcBef>
-                <a:spcPts val="0"/>
-              </a:spcBef>
-              <a:spcAft>
-                <a:spcPts val="0"/>
-              </a:spcAft>
-              <a:buClrTx/>
-              <a:buSzTx/>
-              <a:buFont typeface="Arial" panose="020B0604020202020204" pitchFamily="34" charset="0"/>
-              <a:buChar char="•"/>
-              <a:tabLst/>
-              <a:defRPr/>
-            </a:pPr>
-            <a:r>
-              <a:rPr kumimoji="0" lang="pt-BR" sz="1400" b="0" i="0" u="none" strike="noStrike" kern="0" cap="none" spc="0" normalizeH="0" baseline="0" noProof="0" dirty="0">
-                <a:ln>
-                  <a:noFill/>
-                </a:ln>
-                <a:solidFill>
-                  <a:prstClr val="black"/>
-                </a:solidFill>
-                <a:effectLst/>
-                <a:uLnTx/>
-                <a:uFillTx/>
-                <a:latin typeface="Verdana"/>
-                <a:ea typeface="Verdana"/>
-                <a:cs typeface="Arial"/>
-              </a:rPr>
-              <a:t>Matriz de rotação 3D.</a:t>
-            </a:r>
-          </a:p>
-          <a:p>
-            <a:pPr marL="1085850" marR="0" lvl="1" indent="-342900" algn="l" defTabSz="914400" eaLnBrk="1" fontAlgn="auto" latinLnBrk="0" hangingPunct="1">
-              <a:lnSpc>
-                <a:spcPct val="100000"/>
-              </a:lnSpc>
-              <a:spcBef>
-                <a:spcPts val="0"/>
-              </a:spcBef>
-              <a:spcAft>
-                <a:spcPts val="0"/>
-              </a:spcAft>
-              <a:buClrTx/>
-              <a:buSzTx/>
-              <a:buFont typeface="Arial" panose="020B0604020202020204" pitchFamily="34" charset="0"/>
-              <a:buChar char="•"/>
-              <a:tabLst/>
-              <a:defRPr/>
-            </a:pPr>
-            <a:endParaRPr kumimoji="0" lang="pt-BR" sz="1400" b="0" i="0" u="none" strike="noStrike" kern="0" cap="none" spc="0" normalizeH="0" baseline="0" noProof="0" dirty="0">
-              <a:ln>
-                <a:noFill/>
-              </a:ln>
-              <a:solidFill>
-                <a:prstClr val="black"/>
-              </a:solidFill>
-              <a:effectLst/>
-              <a:uLnTx/>
-              <a:uFillTx/>
-              <a:latin typeface="Verdana"/>
-              <a:ea typeface="Verdana"/>
-              <a:cs typeface="Arial"/>
-            </a:endParaRPr>
-          </a:p>
-          <a:p>
-            <a:pPr marL="342900" marR="0" lvl="0" indent="-342900" algn="l" defTabSz="914400" eaLnBrk="1" fontAlgn="auto" latinLnBrk="0" hangingPunct="1">
-              <a:lnSpc>
-                <a:spcPct val="100000"/>
-              </a:lnSpc>
-              <a:spcBef>
-                <a:spcPts val="0"/>
-              </a:spcBef>
-              <a:spcAft>
-                <a:spcPts val="0"/>
-              </a:spcAft>
-              <a:buClrTx/>
-              <a:buSzTx/>
-              <a:buFont typeface="Arial" panose="020B0604020202020204" pitchFamily="34" charset="0"/>
-              <a:buChar char="•"/>
-              <a:tabLst/>
-              <a:defRPr/>
-            </a:pPr>
-            <a:r>
-              <a:rPr kumimoji="0" lang="pt-BR" sz="1400" b="0" i="0" u="none" strike="noStrike" kern="0" cap="none" spc="0" normalizeH="0" baseline="0" noProof="0" dirty="0">
-                <a:ln>
-                  <a:noFill/>
-                </a:ln>
-                <a:solidFill>
-                  <a:prstClr val="black"/>
-                </a:solidFill>
-                <a:effectLst/>
-                <a:uLnTx/>
-                <a:uFillTx/>
-                <a:latin typeface="Verdana"/>
-                <a:ea typeface="Verdana"/>
-                <a:cs typeface="Arial"/>
-              </a:rPr>
-              <a:t>Função: Indicam o posicionamento da câmera em relação ao objeto ou cena.</a:t>
-            </a:r>
-            <a:endParaRPr kumimoji="0" lang="pt-BR" sz="1400" b="0" i="0" u="none" strike="noStrike" kern="0" cap="none" spc="0" normalizeH="0" baseline="0" noProof="0" dirty="0">
-              <a:ln>
-                <a:noFill/>
-              </a:ln>
-              <a:solidFill>
-                <a:prstClr val="black"/>
-              </a:solidFill>
-              <a:effectLst/>
-              <a:uLnTx/>
-              <a:uFillTx/>
-              <a:latin typeface="Verdana"/>
-              <a:ea typeface="Verdana"/>
-            </a:endParaRPr>
-          </a:p>
-        </p:txBody>
-      </p:sp>
-    </p:spTree>
-  </p:cSld>
-  <p:clrMapOvr>
-    <a:overrideClrMapping bg1="lt1" tx1="dk1" bg2="lt2" tx2="dk2" accent1="accent1" accent2="accent2" accent3="accent3" accent4="accent4" accent5="accent5" accent6="accent6" hlink="hlink" folHlink="folHlink"/>
   </p:clrMapOvr>
 </p:sld>
 </file>
@@ -10792,7 +10792,7 @@
             </a:pPr>
             <a:r>
               <a:rPr lang="pt-BR" b="1" dirty="0"/>
-              <a:t>Profundidade sem estereoscopia </a:t>
+              <a:t>Profundidade</a:t>
             </a:r>
             <a:endParaRPr b="1" dirty="0"/>
           </a:p>
@@ -11252,11 +11252,8 @@
           <a:p>
             <a:r>
               <a:rPr lang="pt-BR" dirty="0"/>
-              <a:t>Filtragem e Morfologia</a:t>
-            </a:r>
-            <a:br>
-              <a:rPr lang="pt-BR" dirty="0"/>
-            </a:br>
+              <a:t>Segmentação e Morfologia</a:t>
+            </a:r>
             <a:endParaRPr lang="en-US" dirty="0"/>
           </a:p>
         </p:txBody>
@@ -11367,7 +11364,7 @@
         </p:spPr>
         <p:txBody>
           <a:bodyPr>
-            <a:normAutofit/>
+            <a:normAutofit fontScale="90000"/>
           </a:bodyPr>
           <a:lstStyle/>
           <a:p>
@@ -11376,7 +11373,7 @@
             </a:pPr>
             <a:r>
               <a:rPr lang="pt-BR" b="1" dirty="0"/>
-              <a:t>Filtragem</a:t>
+              <a:t>Segmentação</a:t>
             </a:r>
             <a:r>
               <a:rPr lang="en-US" b="1" dirty="0"/>
@@ -11464,7 +11461,7 @@
             </a:pPr>
             <a:r>
               <a:rPr lang="pt-BR" sz="1800" dirty="0"/>
-              <a:t>Filtragem de imagens consiste em realçar carateriais especificas da imagem, removendo ruido e otimizando a interpretação.</a:t>
+              <a:t>Identificação em visão computacional consiste em reconhecer e realçar carateriais especificas da imagem, removendo ruido e otimizando a interpretação.</a:t>
             </a:r>
           </a:p>
           <a:p>
@@ -12416,7 +12413,7 @@
               <a:t>Modelo de câmera </a:t>
             </a:r>
             <a:r>
-              <a:rPr lang="pt-BR" b="1" dirty="0" err="1"/>
+              <a:rPr lang="pt-BR" b="1"/>
               <a:t>Pinhole</a:t>
             </a:r>
             <a:endParaRPr lang="pt-BR" b="1" dirty="0"/>
@@ -12569,7 +12566,9 @@
           </a:xfrm>
         </p:spPr>
         <p:txBody>
-          <a:bodyPr/>
+          <a:bodyPr>
+            <a:normAutofit/>
+          </a:bodyPr>
           <a:lstStyle/>
           <a:p>
             <a:pPr>
@@ -12579,7 +12578,11 @@
               <a:defRPr/>
             </a:pPr>
             <a:fld id="{A33A0801-BB33-4F6A-ADD2-35B07A2D74D7}" type="slidenum">
-              <a:rPr lang="pt-BR"/>
+              <a:rPr lang="pt-BR">
+                <a:latin typeface="+mn-lt"/>
+                <a:ea typeface="+mn-ea"/>
+                <a:cs typeface="+mn-cs"/>
+              </a:rPr>
               <a:pPr>
                 <a:spcAft>
                   <a:spcPts val="600"/>
@@ -12588,7 +12591,11 @@
               </a:pPr>
               <a:t>7</a:t>
             </a:fld>
-            <a:endParaRPr lang="pt-BR"/>
+            <a:endParaRPr lang="pt-BR">
+              <a:latin typeface="+mn-lt"/>
+              <a:ea typeface="+mn-ea"/>
+              <a:cs typeface="+mn-cs"/>
+            </a:endParaRPr>
           </a:p>
         </p:txBody>
       </p:sp>
@@ -12979,10 +12986,10 @@
               <a:defRPr/>
             </a:pPr>
             <a:r>
-              <a:rPr lang="pt-BR"/>
+              <a:rPr lang="pt-BR" dirty="0"/>
               <a:t>h</a:t>
             </a:r>
-            <a:endParaRPr/>
+            <a:endParaRPr dirty="0"/>
           </a:p>
         </p:txBody>
       </p:sp>
@@ -13457,8 +13464,8 @@
           </a:p>
         </p:txBody>
       </p:sp>
-      <mc:AlternateContent xmlns:mc="http://schemas.openxmlformats.org/markup-compatibility/2006" xmlns:a14="http://schemas.microsoft.com/office/drawing/2010/main">
-        <mc:Choice Requires="a14">
+      <mc:AlternateContent xmlns:mc="http://schemas.openxmlformats.org/markup-compatibility/2006">
+        <mc:Choice xmlns:a14="http://schemas.microsoft.com/office/drawing/2010/main" Requires="a14">
           <p:sp>
             <p:nvSpPr>
               <p:cNvPr id="688320724" name="Retângulo 688320723"/>
@@ -13506,12 +13513,12 @@
                     </m:oMath>
                   </m:oMathPara>
                 </a14:m>
-                <a:endParaRPr/>
+                <a:endParaRPr dirty="0"/>
               </a:p>
             </p:txBody>
           </p:sp>
         </mc:Choice>
-        <mc:Fallback xmlns="">
+        <mc:Fallback>
           <p:sp>
             <p:nvSpPr>
               <p:cNvPr id="688320724" name="Retângulo 688320723"/>
@@ -13580,7 +13587,7 @@
             </a:pPr>
             <a:r>
               <a:rPr lang="pt-BR" dirty="0"/>
-              <a:t>Podemos calcular a distancia de objetos na imagem através de semelhança de triângulos!</a:t>
+              <a:t>Podemos calcular a distância de objetos na imagem através de semelhança de triângulos!</a:t>
             </a:r>
           </a:p>
           <a:p>

--- a/docs/modulos/02-modelo-de-camera/slides.pptx
+++ b/docs/modulos/02-modelo-de-camera/slides.pptx
@@ -6,7 +6,7 @@
     <p:sldMasterId id="2147483664" r:id="rId2"/>
   </p:sldMasterIdLst>
   <p:notesMasterIdLst>
-    <p:notesMasterId r:id="rId19"/>
+    <p:notesMasterId r:id="rId20"/>
   </p:notesMasterIdLst>
   <p:sldIdLst>
     <p:sldId id="256" r:id="rId3"/>
@@ -25,6 +25,7 @@
     <p:sldId id="267" r:id="rId16"/>
     <p:sldId id="268" r:id="rId17"/>
     <p:sldId id="282" r:id="rId18"/>
+    <p:sldId id="291" r:id="rId19"/>
   </p:sldIdLst>
   <p:sldSz cx="9144000" cy="6858000" type="screen4x3"/>
   <p:notesSz cx="9144000" cy="6858000"/>
@@ -224,7 +225,7 @@
           <a:p>
             <a:fld id="{DEC1326A-6B39-45E7-A0ED-86877A2CBE97}" type="datetimeFigureOut">
               <a:rPr lang="pt-BR" smtClean="0"/>
-              <a:t>26/08/2023</a:t>
+              <a:t>27/08/2023</a:t>
             </a:fld>
             <a:endParaRPr lang="pt-BR"/>
           </a:p>
@@ -1271,7 +1272,7 @@
             </a:pPr>
             <a:fld id="{F2B7900D-0734-4F15-9F08-6F03FB6F6514}" type="datetimeFigureOut">
               <a:rPr lang="pt-BR"/>
-              <a:t>26/08/2023</a:t>
+              <a:t>27/08/2023</a:t>
             </a:fld>
             <a:endParaRPr lang="pt-BR"/>
           </a:p>
@@ -2888,7 +2889,7 @@
             </a:pPr>
             <a:fld id="{9D3A6509-23EB-4B44-A528-7D90D9904DC9}" type="datetime1">
               <a:rPr lang="en-US"/>
-              <a:t>26-Aug-23</a:t>
+              <a:t>27-Aug-23</a:t>
             </a:fld>
             <a:endParaRPr lang="en-US"/>
           </a:p>
@@ -3455,7 +3456,7 @@
             </a:pPr>
             <a:fld id="{9D3A6509-23EB-4B44-A528-7D90D9904DC9}" type="datetime1">
               <a:rPr lang="en-US"/>
-              <a:t>26-Aug-23</a:t>
+              <a:t>27-Aug-23</a:t>
             </a:fld>
             <a:endParaRPr lang="en-US"/>
           </a:p>
@@ -3984,7 +3985,7 @@
             </a:pPr>
             <a:fld id="{9D3A6509-23EB-4B44-A528-7D90D9904DC9}" type="datetime1">
               <a:rPr lang="en-US"/>
-              <a:t>26-Aug-23</a:t>
+              <a:t>27-Aug-23</a:t>
             </a:fld>
             <a:endParaRPr lang="en-US"/>
           </a:p>
@@ -4604,7 +4605,7 @@
             </a:pPr>
             <a:fld id="{9D3A6509-23EB-4B44-A528-7D90D9904DC9}" type="datetime1">
               <a:rPr lang="en-US"/>
-              <a:t>26-Aug-23</a:t>
+              <a:t>27-Aug-23</a:t>
             </a:fld>
             <a:endParaRPr lang="en-US"/>
           </a:p>
@@ -5174,7 +5175,7 @@
             </a:pPr>
             <a:fld id="{9D3A6509-23EB-4B44-A528-7D90D9904DC9}" type="datetime1">
               <a:rPr lang="en-US"/>
-              <a:t>26-Aug-23</a:t>
+              <a:t>27-Aug-23</a:t>
             </a:fld>
             <a:endParaRPr lang="en-US"/>
           </a:p>
@@ -5515,7 +5516,7 @@
             </a:pPr>
             <a:fld id="{9D3A6509-23EB-4B44-A528-7D90D9904DC9}" type="datetime1">
               <a:rPr lang="en-US"/>
-              <a:t>26-Aug-23</a:t>
+              <a:t>27-Aug-23</a:t>
             </a:fld>
             <a:endParaRPr lang="en-US"/>
           </a:p>
@@ -5723,7 +5724,7 @@
             </a:pPr>
             <a:fld id="{5B4B5584-C7FA-470F-8EC2-A30435A4DF16}" type="datetime1">
               <a:rPr lang="en-US"/>
-              <a:t>26-Aug-23</a:t>
+              <a:t>27-Aug-23</a:t>
             </a:fld>
             <a:endParaRPr lang="en-US"/>
           </a:p>
@@ -5827,7 +5828,7 @@
             </a:pPr>
             <a:fld id="{F2B7900D-0734-4F15-9F08-6F03FB6F6514}" type="datetimeFigureOut">
               <a:rPr lang="pt-BR"/>
-              <a:t>26/08/2023</a:t>
+              <a:t>27/08/2023</a:t>
             </a:fld>
             <a:endParaRPr lang="pt-BR"/>
           </a:p>
@@ -6351,7 +6352,7 @@
             </a:pPr>
             <a:fld id="{F2B7900D-0734-4F15-9F08-6F03FB6F6514}" type="datetimeFigureOut">
               <a:rPr lang="pt-BR"/>
-              <a:t>26/08/2023</a:t>
+              <a:t>27/08/2023</a:t>
             </a:fld>
             <a:endParaRPr lang="pt-BR"/>
           </a:p>
@@ -6729,7 +6730,7 @@
             </a:pPr>
             <a:fld id="{F2B7900D-0734-4F15-9F08-6F03FB6F6514}" type="datetimeFigureOut">
               <a:rPr lang="pt-BR"/>
-              <a:t>26/08/2023</a:t>
+              <a:t>27/08/2023</a:t>
             </a:fld>
             <a:endParaRPr lang="pt-BR"/>
           </a:p>
@@ -7294,7 +7295,7 @@
             </a:pPr>
             <a:fld id="{F2B7900D-0734-4F15-9F08-6F03FB6F6514}" type="datetimeFigureOut">
               <a:rPr lang="pt-BR"/>
-              <a:t>26/08/2023</a:t>
+              <a:t>27/08/2023</a:t>
             </a:fld>
             <a:endParaRPr lang="pt-BR"/>
           </a:p>
@@ -7630,7 +7631,7 @@
             </a:pPr>
             <a:fld id="{3135726F-7445-4038-9FAC-4112A5F2E72B}" type="datetimeFigureOut">
               <a:rPr lang="en-US"/>
-              <a:t>26-Aug-23</a:t>
+              <a:t>27-Aug-23</a:t>
             </a:fld>
             <a:endParaRPr lang="en-US"/>
           </a:p>
@@ -8172,7 +8173,7 @@
             </a:pPr>
             <a:fld id="{F2B7900D-0734-4F15-9F08-6F03FB6F6514}" type="datetimeFigureOut">
               <a:rPr lang="pt-BR"/>
-              <a:t>26/08/2023</a:t>
+              <a:t>27/08/2023</a:t>
             </a:fld>
             <a:endParaRPr lang="pt-BR"/>
           </a:p>
@@ -8666,7 +8667,7 @@
             </a:pPr>
             <a:fld id="{9D3A6509-23EB-4B44-A528-7D90D9904DC9}" type="datetime1">
               <a:rPr lang="en-US"/>
-              <a:t>26-Aug-23</a:t>
+              <a:t>27-Aug-23</a:t>
             </a:fld>
             <a:endParaRPr lang="en-US"/>
           </a:p>
@@ -11207,6 +11208,281 @@
 </p:sld>
 </file>
 
+<file path=ppt/slides/slide17.xml><?xml version="1.0" encoding="utf-8"?>
+<p:sld xmlns:a="http://schemas.openxmlformats.org/drawingml/2006/main" xmlns:r="http://schemas.openxmlformats.org/officeDocument/2006/relationships" xmlns:p="http://schemas.openxmlformats.org/presentationml/2006/main">
+  <p:cSld>
+    <p:spTree>
+      <p:nvGrpSpPr>
+        <p:cNvPr id="1" name=""/>
+        <p:cNvGrpSpPr/>
+        <p:nvPr/>
+      </p:nvGrpSpPr>
+      <p:grpSpPr>
+        <a:xfrm>
+          <a:off x="0" y="0"/>
+          <a:ext cx="0" cy="0"/>
+          <a:chOff x="0" y="0"/>
+          <a:chExt cx="0" cy="0"/>
+        </a:xfrm>
+      </p:grpSpPr>
+      <p:sp>
+        <p:nvSpPr>
+          <p:cNvPr id="2" name="Título 1">
+            <a:extLst>
+              <a:ext uri="{FF2B5EF4-FFF2-40B4-BE49-F238E27FC236}">
+                <a16:creationId xmlns:a16="http://schemas.microsoft.com/office/drawing/2014/main" id="{4716A649-AACE-6DC0-9774-103B4170F9CF}"/>
+              </a:ext>
+            </a:extLst>
+          </p:cNvPr>
+          <p:cNvSpPr>
+            <a:spLocks noGrp="1"/>
+          </p:cNvSpPr>
+          <p:nvPr>
+            <p:ph type="title"/>
+          </p:nvPr>
+        </p:nvSpPr>
+        <p:spPr/>
+        <p:txBody>
+          <a:bodyPr/>
+          <a:lstStyle/>
+          <a:p>
+            <a:r>
+              <a:rPr lang="pt-BR" b="1" dirty="0"/>
+              <a:t>Formulário de Avaliação do Modulo 1</a:t>
+            </a:r>
+          </a:p>
+        </p:txBody>
+      </p:sp>
+      <p:sp>
+        <p:nvSpPr>
+          <p:cNvPr id="3" name="Espaço Reservado para Texto 2">
+            <a:extLst>
+              <a:ext uri="{FF2B5EF4-FFF2-40B4-BE49-F238E27FC236}">
+                <a16:creationId xmlns:a16="http://schemas.microsoft.com/office/drawing/2014/main" id="{DCC46212-E42D-13EE-792F-4DCCCD122CD2}"/>
+              </a:ext>
+            </a:extLst>
+          </p:cNvPr>
+          <p:cNvSpPr>
+            <a:spLocks noGrp="1"/>
+          </p:cNvSpPr>
+          <p:nvPr>
+            <p:ph type="body" sz="quarter" idx="13"/>
+          </p:nvPr>
+        </p:nvSpPr>
+        <p:spPr/>
+        <p:txBody>
+          <a:bodyPr/>
+          <a:lstStyle/>
+          <a:p>
+            <a:endParaRPr lang="pt-BR"/>
+          </a:p>
+        </p:txBody>
+      </p:sp>
+      <p:sp>
+        <p:nvSpPr>
+          <p:cNvPr id="6" name="Espaço Reservado para Número de Slide 5">
+            <a:extLst>
+              <a:ext uri="{FF2B5EF4-FFF2-40B4-BE49-F238E27FC236}">
+                <a16:creationId xmlns:a16="http://schemas.microsoft.com/office/drawing/2014/main" id="{67F91034-3CAB-BCF5-8208-7FE0BFE3AC39}"/>
+              </a:ext>
+            </a:extLst>
+          </p:cNvPr>
+          <p:cNvSpPr>
+            <a:spLocks noGrp="1"/>
+          </p:cNvSpPr>
+          <p:nvPr>
+            <p:ph type="sldNum" sz="quarter" idx="12"/>
+          </p:nvPr>
+        </p:nvSpPr>
+        <p:spPr/>
+        <p:txBody>
+          <a:bodyPr/>
+          <a:lstStyle/>
+          <a:p>
+            <a:pPr>
+              <a:defRPr/>
+            </a:pPr>
+            <a:fld id="{FA3AAB12-BB6E-1B4F-AF2F-E6C37C68B919}" type="slidenum">
+              <a:rPr lang="en-US" smtClean="0"/>
+              <a:t>17</a:t>
+            </a:fld>
+            <a:endParaRPr lang="en-US"/>
+          </a:p>
+        </p:txBody>
+      </p:sp>
+      <p:grpSp>
+        <p:nvGrpSpPr>
+          <p:cNvPr id="11" name="Agrupar 10">
+            <a:extLst>
+              <a:ext uri="{FF2B5EF4-FFF2-40B4-BE49-F238E27FC236}">
+                <a16:creationId xmlns:a16="http://schemas.microsoft.com/office/drawing/2014/main" id="{4EDFB888-B906-A460-01F9-5C09A4327FE0}"/>
+              </a:ext>
+            </a:extLst>
+          </p:cNvPr>
+          <p:cNvGrpSpPr/>
+          <p:nvPr/>
+        </p:nvGrpSpPr>
+        <p:grpSpPr>
+          <a:xfrm>
+            <a:off x="1655675" y="1393541"/>
+            <a:ext cx="5832649" cy="5378734"/>
+            <a:chOff x="2627784" y="2348880"/>
+            <a:chExt cx="3888434" cy="3800076"/>
+          </a:xfrm>
+        </p:grpSpPr>
+        <p:pic>
+          <p:nvPicPr>
+            <p:cNvPr id="8" name="Imagem 7" descr="Código QR&#10;&#10;Descrição gerada automaticamente">
+              <a:extLst>
+                <a:ext uri="{FF2B5EF4-FFF2-40B4-BE49-F238E27FC236}">
+                  <a16:creationId xmlns:a16="http://schemas.microsoft.com/office/drawing/2014/main" id="{63BE7ADF-E010-7221-7D75-1284B9BAB08A}"/>
+                </a:ext>
+              </a:extLst>
+            </p:cNvPr>
+            <p:cNvPicPr>
+              <a:picLocks noChangeAspect="1"/>
+            </p:cNvPicPr>
+            <p:nvPr/>
+          </p:nvPicPr>
+          <p:blipFill rotWithShape="1">
+            <a:blip r:embed="rId2">
+              <a:extLst>
+                <a:ext uri="{28A0092B-C50C-407E-A947-70E740481C1C}">
+                  <a14:useLocalDpi xmlns:a14="http://schemas.microsoft.com/office/drawing/2010/main" val="0"/>
+                </a:ext>
+              </a:extLst>
+            </a:blip>
+            <a:srcRect l="23750" t="35300" r="23750" b="13250"/>
+            <a:stretch/>
+          </p:blipFill>
+          <p:spPr>
+            <a:xfrm>
+              <a:off x="2771800" y="2420888"/>
+              <a:ext cx="3600400" cy="3528392"/>
+            </a:xfrm>
+            <a:prstGeom prst="rect">
+              <a:avLst/>
+            </a:prstGeom>
+          </p:spPr>
+        </p:pic>
+        <p:sp>
+          <p:nvSpPr>
+            <p:cNvPr id="9" name="Retângulo 8">
+              <a:extLst>
+                <a:ext uri="{FF2B5EF4-FFF2-40B4-BE49-F238E27FC236}">
+                  <a16:creationId xmlns:a16="http://schemas.microsoft.com/office/drawing/2014/main" id="{097C24A2-8600-2CF9-9B48-60357473DF85}"/>
+                </a:ext>
+              </a:extLst>
+            </p:cNvPr>
+            <p:cNvSpPr/>
+            <p:nvPr/>
+          </p:nvSpPr>
+          <p:spPr>
+            <a:xfrm>
+              <a:off x="2627784" y="2348880"/>
+              <a:ext cx="288032" cy="3728068"/>
+            </a:xfrm>
+            <a:prstGeom prst="rect">
+              <a:avLst/>
+            </a:prstGeom>
+            <a:solidFill>
+              <a:schemeClr val="bg1"/>
+            </a:solidFill>
+            <a:ln>
+              <a:noFill/>
+            </a:ln>
+          </p:spPr>
+          <p:style>
+            <a:lnRef idx="2">
+              <a:schemeClr val="accent1">
+                <a:shade val="15000"/>
+              </a:schemeClr>
+            </a:lnRef>
+            <a:fillRef idx="1">
+              <a:schemeClr val="accent1"/>
+            </a:fillRef>
+            <a:effectRef idx="0">
+              <a:schemeClr val="accent1"/>
+            </a:effectRef>
+            <a:fontRef idx="minor">
+              <a:schemeClr val="lt1"/>
+            </a:fontRef>
+          </p:style>
+          <p:txBody>
+            <a:bodyPr rtlCol="0" anchor="ctr"/>
+            <a:lstStyle/>
+            <a:p>
+              <a:pPr algn="ctr"/>
+              <a:endParaRPr lang="pt-BR"/>
+            </a:p>
+          </p:txBody>
+        </p:sp>
+        <p:sp>
+          <p:nvSpPr>
+            <p:cNvPr id="10" name="Retângulo 9">
+              <a:extLst>
+                <a:ext uri="{FF2B5EF4-FFF2-40B4-BE49-F238E27FC236}">
+                  <a16:creationId xmlns:a16="http://schemas.microsoft.com/office/drawing/2014/main" id="{3344AA47-4C0D-CA2E-2AE6-F93208ACD81A}"/>
+                </a:ext>
+              </a:extLst>
+            </p:cNvPr>
+            <p:cNvSpPr/>
+            <p:nvPr/>
+          </p:nvSpPr>
+          <p:spPr>
+            <a:xfrm>
+              <a:off x="6228186" y="2420888"/>
+              <a:ext cx="288032" cy="3728068"/>
+            </a:xfrm>
+            <a:prstGeom prst="rect">
+              <a:avLst/>
+            </a:prstGeom>
+            <a:solidFill>
+              <a:schemeClr val="bg1"/>
+            </a:solidFill>
+            <a:ln>
+              <a:noFill/>
+            </a:ln>
+          </p:spPr>
+          <p:style>
+            <a:lnRef idx="2">
+              <a:schemeClr val="accent1">
+                <a:shade val="15000"/>
+              </a:schemeClr>
+            </a:lnRef>
+            <a:fillRef idx="1">
+              <a:schemeClr val="accent1"/>
+            </a:fillRef>
+            <a:effectRef idx="0">
+              <a:schemeClr val="accent1"/>
+            </a:effectRef>
+            <a:fontRef idx="minor">
+              <a:schemeClr val="lt1"/>
+            </a:fontRef>
+          </p:style>
+          <p:txBody>
+            <a:bodyPr rtlCol="0" anchor="ctr"/>
+            <a:lstStyle/>
+            <a:p>
+              <a:pPr algn="ctr"/>
+              <a:endParaRPr lang="pt-BR"/>
+            </a:p>
+          </p:txBody>
+        </p:sp>
+      </p:grpSp>
+    </p:spTree>
+    <p:extLst>
+      <p:ext uri="{BB962C8B-B14F-4D97-AF65-F5344CB8AC3E}">
+        <p14:creationId xmlns:p14="http://schemas.microsoft.com/office/powerpoint/2010/main" val="957013914"/>
+      </p:ext>
+    </p:extLst>
+  </p:cSld>
+  <p:clrMapOvr>
+    <a:masterClrMapping/>
+  </p:clrMapOvr>
+</p:sld>
+</file>
+
 <file path=ppt/slides/slide2.xml><?xml version="1.0" encoding="utf-8"?>
 <p:sld xmlns:a="http://schemas.openxmlformats.org/drawingml/2006/main" xmlns:r="http://schemas.openxmlformats.org/officeDocument/2006/relationships" xmlns:p="http://schemas.openxmlformats.org/presentationml/2006/main" showMasterPhAnim="0">
   <p:cSld>
@@ -13464,8 +13740,8 @@
           </a:p>
         </p:txBody>
       </p:sp>
-      <mc:AlternateContent xmlns:mc="http://schemas.openxmlformats.org/markup-compatibility/2006">
-        <mc:Choice xmlns:a14="http://schemas.microsoft.com/office/drawing/2010/main" Requires="a14">
+      <mc:AlternateContent xmlns:mc="http://schemas.openxmlformats.org/markup-compatibility/2006" xmlns:a14="http://schemas.microsoft.com/office/drawing/2010/main">
+        <mc:Choice Requires="a14">
           <p:sp>
             <p:nvSpPr>
               <p:cNvPr id="688320724" name="Retângulo 688320723"/>
@@ -13518,7 +13794,7 @@
             </p:txBody>
           </p:sp>
         </mc:Choice>
-        <mc:Fallback>
+        <mc:Fallback xmlns="">
           <p:sp>
             <p:nvSpPr>
               <p:cNvPr id="688320724" name="Retângulo 688320723"/>
